--- a/Apresentação/TCC_AndersonBerg_Apresentação.pptx
+++ b/Apresentação/TCC_AndersonBerg_Apresentação.pptx
@@ -5,7 +5,7 @@
     <p:sldMasterId id="2147483648" r:id="rId1"/>
   </p:sldMasterIdLst>
   <p:notesMasterIdLst>
-    <p:notesMasterId r:id="rId8"/>
+    <p:notesMasterId r:id="rId33"/>
   </p:notesMasterIdLst>
   <p:sldIdLst>
     <p:sldId id="256" r:id="rId2"/>
@@ -14,6 +14,31 @@
     <p:sldId id="259" r:id="rId5"/>
     <p:sldId id="260" r:id="rId6"/>
     <p:sldId id="261" r:id="rId7"/>
+    <p:sldId id="262" r:id="rId8"/>
+    <p:sldId id="263" r:id="rId9"/>
+    <p:sldId id="264" r:id="rId10"/>
+    <p:sldId id="265" r:id="rId11"/>
+    <p:sldId id="266" r:id="rId12"/>
+    <p:sldId id="267" r:id="rId13"/>
+    <p:sldId id="268" r:id="rId14"/>
+    <p:sldId id="269" r:id="rId15"/>
+    <p:sldId id="270" r:id="rId16"/>
+    <p:sldId id="271" r:id="rId17"/>
+    <p:sldId id="272" r:id="rId18"/>
+    <p:sldId id="273" r:id="rId19"/>
+    <p:sldId id="274" r:id="rId20"/>
+    <p:sldId id="275" r:id="rId21"/>
+    <p:sldId id="278" r:id="rId22"/>
+    <p:sldId id="277" r:id="rId23"/>
+    <p:sldId id="276" r:id="rId24"/>
+    <p:sldId id="279" r:id="rId25"/>
+    <p:sldId id="280" r:id="rId26"/>
+    <p:sldId id="281" r:id="rId27"/>
+    <p:sldId id="282" r:id="rId28"/>
+    <p:sldId id="283" r:id="rId29"/>
+    <p:sldId id="284" r:id="rId30"/>
+    <p:sldId id="285" r:id="rId31"/>
+    <p:sldId id="286" r:id="rId32"/>
   </p:sldIdLst>
   <p:sldSz cx="9144000" cy="6858000" type="screen4x3"/>
   <p:notesSz cx="6858000" cy="9144000"/>
@@ -198,7 +223,7 @@
             <a:fld id="{87533535-BCD3-4A64-9D1A-E5BA9C17F898}" type="datetimeFigureOut">
               <a:rPr lang="pt-BR" smtClean="0"/>
               <a:pPr/>
-              <a:t>24/11/2009</a:t>
+              <a:t>5/12/2009</a:t>
             </a:fld>
             <a:endParaRPr lang="pt-BR"/>
           </a:p>
@@ -546,6 +571,88 @@
 </p:notes>
 </file>
 
+<file path=ppt/notesSlides/notesSlide2.xml><?xml version="1.0" encoding="utf-8"?>
+<p:notes xmlns:a="http://schemas.openxmlformats.org/drawingml/2006/main" xmlns:r="http://schemas.openxmlformats.org/officeDocument/2006/relationships" xmlns:p="http://schemas.openxmlformats.org/presentationml/2006/main">
+  <p:cSld>
+    <p:spTree>
+      <p:nvGrpSpPr>
+        <p:cNvPr id="1" name=""/>
+        <p:cNvGrpSpPr/>
+        <p:nvPr/>
+      </p:nvGrpSpPr>
+      <p:grpSpPr>
+        <a:xfrm>
+          <a:off x="0" y="0"/>
+          <a:ext cx="0" cy="0"/>
+          <a:chOff x="0" y="0"/>
+          <a:chExt cx="0" cy="0"/>
+        </a:xfrm>
+      </p:grpSpPr>
+      <p:sp>
+        <p:nvSpPr>
+          <p:cNvPr id="2" name="Espaço Reservado para Imagem de Slide 1"/>
+          <p:cNvSpPr>
+            <a:spLocks noGrp="1" noRot="1" noChangeAspect="1"/>
+          </p:cNvSpPr>
+          <p:nvPr>
+            <p:ph type="sldImg"/>
+          </p:nvPr>
+        </p:nvSpPr>
+        <p:spPr/>
+      </p:sp>
+      <p:sp>
+        <p:nvSpPr>
+          <p:cNvPr id="3" name="Espaço Reservado para Anotações 2"/>
+          <p:cNvSpPr>
+            <a:spLocks noGrp="1"/>
+          </p:cNvSpPr>
+          <p:nvPr>
+            <p:ph type="body" idx="1"/>
+          </p:nvPr>
+        </p:nvSpPr>
+        <p:spPr/>
+        <p:txBody>
+          <a:bodyPr>
+            <a:normAutofit/>
+          </a:bodyPr>
+          <a:lstStyle/>
+          <a:p>
+            <a:endParaRPr lang="pt-BR"/>
+          </a:p>
+        </p:txBody>
+      </p:sp>
+      <p:sp>
+        <p:nvSpPr>
+          <p:cNvPr id="4" name="Espaço Reservado para Número de Slide 3"/>
+          <p:cNvSpPr>
+            <a:spLocks noGrp="1"/>
+          </p:cNvSpPr>
+          <p:nvPr>
+            <p:ph type="sldNum" sz="quarter" idx="10"/>
+          </p:nvPr>
+        </p:nvSpPr>
+        <p:spPr/>
+        <p:txBody>
+          <a:bodyPr/>
+          <a:lstStyle/>
+          <a:p>
+            <a:fld id="{C82B9437-F8B4-4408-9752-528278BC7DC3}" type="slidenum">
+              <a:rPr lang="pt-BR" smtClean="0"/>
+              <a:pPr/>
+              <a:t>31</a:t>
+            </a:fld>
+            <a:endParaRPr lang="pt-BR"/>
+          </a:p>
+        </p:txBody>
+      </p:sp>
+    </p:spTree>
+  </p:cSld>
+  <p:clrMapOvr>
+    <a:masterClrMapping/>
+  </p:clrMapOvr>
+</p:notes>
+</file>
+
 <file path=ppt/slideLayouts/slideLayout1.xml><?xml version="1.0" encoding="utf-8"?>
 <p:sldLayout xmlns:a="http://schemas.openxmlformats.org/drawingml/2006/main" xmlns:r="http://schemas.openxmlformats.org/officeDocument/2006/relationships" xmlns:p="http://schemas.openxmlformats.org/presentationml/2006/main" type="title" preserve="1">
   <p:cSld name="Slide de título">
@@ -728,7 +835,7 @@
             <a:fld id="{8E4FEC67-B5D5-4F89-802C-92EB9180D12F}" type="datetimeFigureOut">
               <a:rPr lang="pt-BR" smtClean="0"/>
               <a:pPr/>
-              <a:t>24/11/2009</a:t>
+              <a:t>5/12/2009</a:t>
             </a:fld>
             <a:endParaRPr lang="pt-BR"/>
           </a:p>
@@ -895,7 +1002,7 @@
             <a:fld id="{8E4FEC67-B5D5-4F89-802C-92EB9180D12F}" type="datetimeFigureOut">
               <a:rPr lang="pt-BR" smtClean="0"/>
               <a:pPr/>
-              <a:t>24/11/2009</a:t>
+              <a:t>5/12/2009</a:t>
             </a:fld>
             <a:endParaRPr lang="pt-BR"/>
           </a:p>
@@ -1072,7 +1179,7 @@
             <a:fld id="{8E4FEC67-B5D5-4F89-802C-92EB9180D12F}" type="datetimeFigureOut">
               <a:rPr lang="pt-BR" smtClean="0"/>
               <a:pPr/>
-              <a:t>24/11/2009</a:t>
+              <a:t>5/12/2009</a:t>
             </a:fld>
             <a:endParaRPr lang="pt-BR"/>
           </a:p>
@@ -1239,7 +1346,7 @@
             <a:fld id="{8E4FEC67-B5D5-4F89-802C-92EB9180D12F}" type="datetimeFigureOut">
               <a:rPr lang="pt-BR" smtClean="0"/>
               <a:pPr/>
-              <a:t>24/11/2009</a:t>
+              <a:t>5/12/2009</a:t>
             </a:fld>
             <a:endParaRPr lang="pt-BR"/>
           </a:p>
@@ -1482,7 +1589,7 @@
             <a:fld id="{8E4FEC67-B5D5-4F89-802C-92EB9180D12F}" type="datetimeFigureOut">
               <a:rPr lang="pt-BR" smtClean="0"/>
               <a:pPr/>
-              <a:t>24/11/2009</a:t>
+              <a:t>5/12/2009</a:t>
             </a:fld>
             <a:endParaRPr lang="pt-BR"/>
           </a:p>
@@ -1767,7 +1874,7 @@
             <a:fld id="{8E4FEC67-B5D5-4F89-802C-92EB9180D12F}" type="datetimeFigureOut">
               <a:rPr lang="pt-BR" smtClean="0"/>
               <a:pPr/>
-              <a:t>24/11/2009</a:t>
+              <a:t>5/12/2009</a:t>
             </a:fld>
             <a:endParaRPr lang="pt-BR"/>
           </a:p>
@@ -2186,7 +2293,7 @@
             <a:fld id="{8E4FEC67-B5D5-4F89-802C-92EB9180D12F}" type="datetimeFigureOut">
               <a:rPr lang="pt-BR" smtClean="0"/>
               <a:pPr/>
-              <a:t>24/11/2009</a:t>
+              <a:t>5/12/2009</a:t>
             </a:fld>
             <a:endParaRPr lang="pt-BR"/>
           </a:p>
@@ -2301,7 +2408,7 @@
             <a:fld id="{8E4FEC67-B5D5-4F89-802C-92EB9180D12F}" type="datetimeFigureOut">
               <a:rPr lang="pt-BR" smtClean="0"/>
               <a:pPr/>
-              <a:t>24/11/2009</a:t>
+              <a:t>5/12/2009</a:t>
             </a:fld>
             <a:endParaRPr lang="pt-BR"/>
           </a:p>
@@ -2393,7 +2500,7 @@
             <a:fld id="{8E4FEC67-B5D5-4F89-802C-92EB9180D12F}" type="datetimeFigureOut">
               <a:rPr lang="pt-BR" smtClean="0"/>
               <a:pPr/>
-              <a:t>24/11/2009</a:t>
+              <a:t>5/12/2009</a:t>
             </a:fld>
             <a:endParaRPr lang="pt-BR"/>
           </a:p>
@@ -2667,7 +2774,7 @@
             <a:fld id="{8E4FEC67-B5D5-4F89-802C-92EB9180D12F}" type="datetimeFigureOut">
               <a:rPr lang="pt-BR" smtClean="0"/>
               <a:pPr/>
-              <a:t>24/11/2009</a:t>
+              <a:t>5/12/2009</a:t>
             </a:fld>
             <a:endParaRPr lang="pt-BR"/>
           </a:p>
@@ -2917,7 +3024,7 @@
             <a:fld id="{8E4FEC67-B5D5-4F89-802C-92EB9180D12F}" type="datetimeFigureOut">
               <a:rPr lang="pt-BR" smtClean="0"/>
               <a:pPr/>
-              <a:t>24/11/2009</a:t>
+              <a:t>5/12/2009</a:t>
             </a:fld>
             <a:endParaRPr lang="pt-BR"/>
           </a:p>
@@ -3127,7 +3234,7 @@
             <a:fld id="{8E4FEC67-B5D5-4F89-802C-92EB9180D12F}" type="datetimeFigureOut">
               <a:rPr lang="pt-BR" smtClean="0"/>
               <a:pPr/>
-              <a:t>24/11/2009</a:t>
+              <a:t>5/12/2009</a:t>
             </a:fld>
             <a:endParaRPr lang="pt-BR"/>
           </a:p>
@@ -3634,6 +3741,962 @@
 </p:sld>
 </file>
 
+<file path=ppt/slides/slide10.xml><?xml version="1.0" encoding="utf-8"?>
+<p:sld xmlns:a="http://schemas.openxmlformats.org/drawingml/2006/main" xmlns:r="http://schemas.openxmlformats.org/officeDocument/2006/relationships" xmlns:p="http://schemas.openxmlformats.org/presentationml/2006/main">
+  <p:cSld>
+    <p:spTree>
+      <p:nvGrpSpPr>
+        <p:cNvPr id="1" name=""/>
+        <p:cNvGrpSpPr/>
+        <p:nvPr/>
+      </p:nvGrpSpPr>
+      <p:grpSpPr>
+        <a:xfrm>
+          <a:off x="0" y="0"/>
+          <a:ext cx="0" cy="0"/>
+          <a:chOff x="0" y="0"/>
+          <a:chExt cx="0" cy="0"/>
+        </a:xfrm>
+      </p:grpSpPr>
+      <p:sp>
+        <p:nvSpPr>
+          <p:cNvPr id="2" name="Título 1"/>
+          <p:cNvSpPr>
+            <a:spLocks noGrp="1"/>
+          </p:cNvSpPr>
+          <p:nvPr>
+            <p:ph type="title"/>
+          </p:nvPr>
+        </p:nvSpPr>
+        <p:spPr/>
+        <p:txBody>
+          <a:bodyPr/>
+          <a:lstStyle/>
+          <a:p>
+            <a:r>
+              <a:rPr lang="pt-BR" dirty="0" smtClean="0"/>
+              <a:t>Filtragem baseada em conteúdo</a:t>
+            </a:r>
+            <a:endParaRPr lang="pt-BR" dirty="0"/>
+          </a:p>
+        </p:txBody>
+      </p:sp>
+      <p:sp>
+        <p:nvSpPr>
+          <p:cNvPr id="3" name="Espaço Reservado para Conteúdo 2"/>
+          <p:cNvSpPr>
+            <a:spLocks noGrp="1"/>
+          </p:cNvSpPr>
+          <p:nvPr>
+            <p:ph idx="1"/>
+          </p:nvPr>
+        </p:nvSpPr>
+        <p:spPr/>
+        <p:txBody>
+          <a:bodyPr/>
+          <a:lstStyle/>
+          <a:p>
+            <a:pPr>
+              <a:buNone/>
+            </a:pPr>
+            <a:r>
+              <a:rPr lang="pt-BR" dirty="0" smtClean="0"/>
+              <a:t>Vantagens:</a:t>
+            </a:r>
+          </a:p>
+          <a:p>
+            <a:r>
+              <a:rPr lang="pt-BR" dirty="0" smtClean="0"/>
+              <a:t>Não são necessárias qualificações</a:t>
+            </a:r>
+          </a:p>
+          <a:p>
+            <a:r>
+              <a:rPr lang="pt-BR" dirty="0" smtClean="0"/>
+              <a:t>Se baseia apenas no conteúdo de itens, portanto não se restringe a itens já avaliados</a:t>
+            </a:r>
+            <a:endParaRPr lang="pt-BR" dirty="0"/>
+          </a:p>
+        </p:txBody>
+      </p:sp>
+    </p:spTree>
+  </p:cSld>
+  <p:clrMapOvr>
+    <a:masterClrMapping/>
+  </p:clrMapOvr>
+</p:sld>
+</file>
+
+<file path=ppt/slides/slide11.xml><?xml version="1.0" encoding="utf-8"?>
+<p:sld xmlns:a="http://schemas.openxmlformats.org/drawingml/2006/main" xmlns:r="http://schemas.openxmlformats.org/officeDocument/2006/relationships" xmlns:p="http://schemas.openxmlformats.org/presentationml/2006/main">
+  <p:cSld>
+    <p:spTree>
+      <p:nvGrpSpPr>
+        <p:cNvPr id="1" name=""/>
+        <p:cNvGrpSpPr/>
+        <p:nvPr/>
+      </p:nvGrpSpPr>
+      <p:grpSpPr>
+        <a:xfrm>
+          <a:off x="0" y="0"/>
+          <a:ext cx="0" cy="0"/>
+          <a:chOff x="0" y="0"/>
+          <a:chExt cx="0" cy="0"/>
+        </a:xfrm>
+      </p:grpSpPr>
+      <p:sp>
+        <p:nvSpPr>
+          <p:cNvPr id="2" name="Título 1"/>
+          <p:cNvSpPr>
+            <a:spLocks noGrp="1"/>
+          </p:cNvSpPr>
+          <p:nvPr>
+            <p:ph type="title"/>
+          </p:nvPr>
+        </p:nvSpPr>
+        <p:spPr/>
+        <p:txBody>
+          <a:bodyPr/>
+          <a:lstStyle/>
+          <a:p>
+            <a:r>
+              <a:rPr lang="pt-BR" dirty="0" smtClean="0"/>
+              <a:t>Filtragem baseada em conteúdo</a:t>
+            </a:r>
+            <a:endParaRPr lang="pt-BR" dirty="0"/>
+          </a:p>
+        </p:txBody>
+      </p:sp>
+      <p:sp>
+        <p:nvSpPr>
+          <p:cNvPr id="3" name="Espaço Reservado para Conteúdo 2"/>
+          <p:cNvSpPr>
+            <a:spLocks noGrp="1"/>
+          </p:cNvSpPr>
+          <p:nvPr>
+            <p:ph idx="1"/>
+          </p:nvPr>
+        </p:nvSpPr>
+        <p:spPr/>
+        <p:txBody>
+          <a:bodyPr/>
+          <a:lstStyle/>
+          <a:p>
+            <a:pPr>
+              <a:buNone/>
+            </a:pPr>
+            <a:r>
+              <a:rPr lang="pt-BR" dirty="0" smtClean="0"/>
+              <a:t>Desvantagens:</a:t>
+            </a:r>
+          </a:p>
+          <a:p>
+            <a:r>
+              <a:rPr lang="pt-BR" dirty="0" smtClean="0"/>
+              <a:t>Só avalia textos, não sendo possível avaliar qualidade do texto ou de autores dos textos</a:t>
+            </a:r>
+          </a:p>
+          <a:p>
+            <a:r>
+              <a:rPr lang="pt-BR" dirty="0" err="1" smtClean="0"/>
+              <a:t>Superespecialização</a:t>
+            </a:r>
+            <a:endParaRPr lang="pt-BR" dirty="0"/>
+          </a:p>
+        </p:txBody>
+      </p:sp>
+    </p:spTree>
+  </p:cSld>
+  <p:clrMapOvr>
+    <a:masterClrMapping/>
+  </p:clrMapOvr>
+</p:sld>
+</file>
+
+<file path=ppt/slides/slide12.xml><?xml version="1.0" encoding="utf-8"?>
+<p:sld xmlns:a="http://schemas.openxmlformats.org/drawingml/2006/main" xmlns:r="http://schemas.openxmlformats.org/officeDocument/2006/relationships" xmlns:p="http://schemas.openxmlformats.org/presentationml/2006/main">
+  <p:cSld>
+    <p:spTree>
+      <p:nvGrpSpPr>
+        <p:cNvPr id="1" name=""/>
+        <p:cNvGrpSpPr/>
+        <p:nvPr/>
+      </p:nvGrpSpPr>
+      <p:grpSpPr>
+        <a:xfrm>
+          <a:off x="0" y="0"/>
+          <a:ext cx="0" cy="0"/>
+          <a:chOff x="0" y="0"/>
+          <a:chExt cx="0" cy="0"/>
+        </a:xfrm>
+      </p:grpSpPr>
+      <p:sp>
+        <p:nvSpPr>
+          <p:cNvPr id="2" name="Título 1"/>
+          <p:cNvSpPr>
+            <a:spLocks noGrp="1"/>
+          </p:cNvSpPr>
+          <p:nvPr>
+            <p:ph type="title"/>
+          </p:nvPr>
+        </p:nvSpPr>
+        <p:spPr/>
+        <p:txBody>
+          <a:bodyPr/>
+          <a:lstStyle/>
+          <a:p>
+            <a:r>
+              <a:rPr lang="pt-BR" dirty="0" smtClean="0"/>
+              <a:t>Filtragem colaborativa</a:t>
+            </a:r>
+            <a:endParaRPr lang="pt-BR" dirty="0"/>
+          </a:p>
+        </p:txBody>
+      </p:sp>
+      <p:sp>
+        <p:nvSpPr>
+          <p:cNvPr id="3" name="Espaço Reservado para Conteúdo 2"/>
+          <p:cNvSpPr>
+            <a:spLocks noGrp="1"/>
+          </p:cNvSpPr>
+          <p:nvPr>
+            <p:ph idx="1"/>
+          </p:nvPr>
+        </p:nvSpPr>
+        <p:spPr/>
+        <p:txBody>
+          <a:bodyPr/>
+          <a:lstStyle/>
+          <a:p>
+            <a:r>
+              <a:rPr lang="pt-BR" dirty="0" smtClean="0"/>
+              <a:t>Mais comum</a:t>
+            </a:r>
+          </a:p>
+          <a:p>
+            <a:r>
+              <a:rPr lang="pt-BR" dirty="0" smtClean="0"/>
+              <a:t>Similaridade entre usuários</a:t>
+            </a:r>
+          </a:p>
+          <a:p>
+            <a:r>
+              <a:rPr lang="pt-BR" dirty="0" smtClean="0"/>
+              <a:t>Avaliações de itens</a:t>
+            </a:r>
+            <a:endParaRPr lang="pt-BR" dirty="0"/>
+          </a:p>
+        </p:txBody>
+      </p:sp>
+    </p:spTree>
+  </p:cSld>
+  <p:clrMapOvr>
+    <a:masterClrMapping/>
+  </p:clrMapOvr>
+</p:sld>
+</file>
+
+<file path=ppt/slides/slide13.xml><?xml version="1.0" encoding="utf-8"?>
+<p:sld xmlns:a="http://schemas.openxmlformats.org/drawingml/2006/main" xmlns:r="http://schemas.openxmlformats.org/officeDocument/2006/relationships" xmlns:p="http://schemas.openxmlformats.org/presentationml/2006/main">
+  <p:cSld>
+    <p:spTree>
+      <p:nvGrpSpPr>
+        <p:cNvPr id="1" name=""/>
+        <p:cNvGrpSpPr/>
+        <p:nvPr/>
+      </p:nvGrpSpPr>
+      <p:grpSpPr>
+        <a:xfrm>
+          <a:off x="0" y="0"/>
+          <a:ext cx="0" cy="0"/>
+          <a:chOff x="0" y="0"/>
+          <a:chExt cx="0" cy="0"/>
+        </a:xfrm>
+      </p:grpSpPr>
+      <p:sp>
+        <p:nvSpPr>
+          <p:cNvPr id="2" name="Título 1"/>
+          <p:cNvSpPr>
+            <a:spLocks noGrp="1"/>
+          </p:cNvSpPr>
+          <p:nvPr>
+            <p:ph type="title"/>
+          </p:nvPr>
+        </p:nvSpPr>
+        <p:spPr/>
+        <p:txBody>
+          <a:bodyPr/>
+          <a:lstStyle/>
+          <a:p>
+            <a:r>
+              <a:rPr lang="pt-BR" dirty="0" smtClean="0"/>
+              <a:t>Filtragem colaborativa</a:t>
+            </a:r>
+            <a:endParaRPr lang="pt-BR" dirty="0"/>
+          </a:p>
+        </p:txBody>
+      </p:sp>
+      <p:sp>
+        <p:nvSpPr>
+          <p:cNvPr id="3" name="Espaço Reservado para Conteúdo 2"/>
+          <p:cNvSpPr>
+            <a:spLocks noGrp="1"/>
+          </p:cNvSpPr>
+          <p:nvPr>
+            <p:ph idx="1"/>
+          </p:nvPr>
+        </p:nvSpPr>
+        <p:spPr/>
+        <p:txBody>
+          <a:bodyPr/>
+          <a:lstStyle/>
+          <a:p>
+            <a:pPr>
+              <a:buNone/>
+            </a:pPr>
+            <a:r>
+              <a:rPr lang="pt-BR" dirty="0" smtClean="0"/>
+              <a:t>Vantagens:</a:t>
+            </a:r>
+          </a:p>
+          <a:p>
+            <a:r>
+              <a:rPr lang="pt-BR" dirty="0" smtClean="0"/>
+              <a:t>É possível avaliar qualidade de textos</a:t>
+            </a:r>
+          </a:p>
+          <a:p>
+            <a:r>
+              <a:rPr lang="pt-BR" dirty="0" smtClean="0"/>
+              <a:t>Melhor qualidade de recomendações</a:t>
+            </a:r>
+            <a:endParaRPr lang="pt-BR" dirty="0"/>
+          </a:p>
+        </p:txBody>
+      </p:sp>
+    </p:spTree>
+  </p:cSld>
+  <p:clrMapOvr>
+    <a:masterClrMapping/>
+  </p:clrMapOvr>
+</p:sld>
+</file>
+
+<file path=ppt/slides/slide14.xml><?xml version="1.0" encoding="utf-8"?>
+<p:sld xmlns:a="http://schemas.openxmlformats.org/drawingml/2006/main" xmlns:r="http://schemas.openxmlformats.org/officeDocument/2006/relationships" xmlns:p="http://schemas.openxmlformats.org/presentationml/2006/main">
+  <p:cSld>
+    <p:spTree>
+      <p:nvGrpSpPr>
+        <p:cNvPr id="1" name=""/>
+        <p:cNvGrpSpPr/>
+        <p:nvPr/>
+      </p:nvGrpSpPr>
+      <p:grpSpPr>
+        <a:xfrm>
+          <a:off x="0" y="0"/>
+          <a:ext cx="0" cy="0"/>
+          <a:chOff x="0" y="0"/>
+          <a:chExt cx="0" cy="0"/>
+        </a:xfrm>
+      </p:grpSpPr>
+      <p:sp>
+        <p:nvSpPr>
+          <p:cNvPr id="2" name="Título 1"/>
+          <p:cNvSpPr>
+            <a:spLocks noGrp="1"/>
+          </p:cNvSpPr>
+          <p:nvPr>
+            <p:ph type="title"/>
+          </p:nvPr>
+        </p:nvSpPr>
+        <p:spPr/>
+        <p:txBody>
+          <a:bodyPr/>
+          <a:lstStyle/>
+          <a:p>
+            <a:r>
+              <a:rPr lang="pt-BR" dirty="0" smtClean="0"/>
+              <a:t>Filtragem colaborativa</a:t>
+            </a:r>
+            <a:endParaRPr lang="pt-BR" dirty="0"/>
+          </a:p>
+        </p:txBody>
+      </p:sp>
+      <p:sp>
+        <p:nvSpPr>
+          <p:cNvPr id="3" name="Espaço Reservado para Conteúdo 2"/>
+          <p:cNvSpPr>
+            <a:spLocks noGrp="1"/>
+          </p:cNvSpPr>
+          <p:nvPr>
+            <p:ph idx="1"/>
+          </p:nvPr>
+        </p:nvSpPr>
+        <p:spPr/>
+        <p:txBody>
+          <a:bodyPr/>
+          <a:lstStyle/>
+          <a:p>
+            <a:pPr>
+              <a:buNone/>
+            </a:pPr>
+            <a:r>
+              <a:rPr lang="pt-BR" dirty="0" smtClean="0"/>
+              <a:t>Desvantagens</a:t>
+            </a:r>
+          </a:p>
+          <a:p>
+            <a:r>
+              <a:rPr lang="pt-BR" dirty="0" smtClean="0"/>
+              <a:t>Problema do novo item: é preciso algum usuário avaliar para este item ser recomendado</a:t>
+            </a:r>
+          </a:p>
+          <a:p>
+            <a:r>
+              <a:rPr lang="pt-BR" dirty="0" smtClean="0"/>
+              <a:t>Usuários ovelhas-negras, não há usuários semelhantes a estes no sistema</a:t>
+            </a:r>
+            <a:endParaRPr lang="pt-BR" dirty="0"/>
+          </a:p>
+        </p:txBody>
+      </p:sp>
+    </p:spTree>
+  </p:cSld>
+  <p:clrMapOvr>
+    <a:masterClrMapping/>
+  </p:clrMapOvr>
+</p:sld>
+</file>
+
+<file path=ppt/slides/slide15.xml><?xml version="1.0" encoding="utf-8"?>
+<p:sld xmlns:a="http://schemas.openxmlformats.org/drawingml/2006/main" xmlns:r="http://schemas.openxmlformats.org/officeDocument/2006/relationships" xmlns:p="http://schemas.openxmlformats.org/presentationml/2006/main">
+  <p:cSld>
+    <p:spTree>
+      <p:nvGrpSpPr>
+        <p:cNvPr id="1" name=""/>
+        <p:cNvGrpSpPr/>
+        <p:nvPr/>
+      </p:nvGrpSpPr>
+      <p:grpSpPr>
+        <a:xfrm>
+          <a:off x="0" y="0"/>
+          <a:ext cx="0" cy="0"/>
+          <a:chOff x="0" y="0"/>
+          <a:chExt cx="0" cy="0"/>
+        </a:xfrm>
+      </p:grpSpPr>
+      <p:sp>
+        <p:nvSpPr>
+          <p:cNvPr id="2" name="Título 1"/>
+          <p:cNvSpPr>
+            <a:spLocks noGrp="1"/>
+          </p:cNvSpPr>
+          <p:nvPr>
+            <p:ph type="title"/>
+          </p:nvPr>
+        </p:nvSpPr>
+        <p:spPr/>
+        <p:txBody>
+          <a:bodyPr/>
+          <a:lstStyle/>
+          <a:p>
+            <a:r>
+              <a:rPr lang="pt-BR" dirty="0" smtClean="0"/>
+              <a:t>Filtragem híbrida</a:t>
+            </a:r>
+            <a:endParaRPr lang="pt-BR" dirty="0"/>
+          </a:p>
+        </p:txBody>
+      </p:sp>
+      <p:sp>
+        <p:nvSpPr>
+          <p:cNvPr id="3" name="Espaço Reservado para Conteúdo 2"/>
+          <p:cNvSpPr>
+            <a:spLocks noGrp="1"/>
+          </p:cNvSpPr>
+          <p:nvPr>
+            <p:ph idx="1"/>
+          </p:nvPr>
+        </p:nvSpPr>
+        <p:spPr/>
+        <p:txBody>
+          <a:bodyPr/>
+          <a:lstStyle/>
+          <a:p>
+            <a:r>
+              <a:rPr lang="pt-BR" dirty="0" smtClean="0"/>
+              <a:t>Associar duas ou mais técnicas</a:t>
+            </a:r>
+          </a:p>
+          <a:p>
+            <a:r>
+              <a:rPr lang="pt-BR" dirty="0" smtClean="0"/>
+              <a:t>Filtragem baseada em conteúdo e colaborativa são complementares</a:t>
+            </a:r>
+          </a:p>
+          <a:p>
+            <a:r>
+              <a:rPr lang="pt-BR" dirty="0" smtClean="0"/>
+              <a:t>(Colocar tabela aqui)</a:t>
+            </a:r>
+            <a:endParaRPr lang="pt-BR" dirty="0"/>
+          </a:p>
+        </p:txBody>
+      </p:sp>
+    </p:spTree>
+  </p:cSld>
+  <p:clrMapOvr>
+    <a:masterClrMapping/>
+  </p:clrMapOvr>
+</p:sld>
+</file>
+
+<file path=ppt/slides/slide16.xml><?xml version="1.0" encoding="utf-8"?>
+<p:sld xmlns:a="http://schemas.openxmlformats.org/drawingml/2006/main" xmlns:r="http://schemas.openxmlformats.org/officeDocument/2006/relationships" xmlns:p="http://schemas.openxmlformats.org/presentationml/2006/main">
+  <p:cSld>
+    <p:spTree>
+      <p:nvGrpSpPr>
+        <p:cNvPr id="1" name=""/>
+        <p:cNvGrpSpPr/>
+        <p:nvPr/>
+      </p:nvGrpSpPr>
+      <p:grpSpPr>
+        <a:xfrm>
+          <a:off x="0" y="0"/>
+          <a:ext cx="0" cy="0"/>
+          <a:chOff x="0" y="0"/>
+          <a:chExt cx="0" cy="0"/>
+        </a:xfrm>
+      </p:grpSpPr>
+      <p:sp>
+        <p:nvSpPr>
+          <p:cNvPr id="2" name="Título 1"/>
+          <p:cNvSpPr>
+            <a:spLocks noGrp="1"/>
+          </p:cNvSpPr>
+          <p:nvPr>
+            <p:ph type="title"/>
+          </p:nvPr>
+        </p:nvSpPr>
+        <p:spPr/>
+        <p:txBody>
+          <a:bodyPr/>
+          <a:lstStyle/>
+          <a:p>
+            <a:r>
+              <a:rPr lang="pt-BR" dirty="0" smtClean="0"/>
+              <a:t>Mapas auto-organizáveis</a:t>
+            </a:r>
+            <a:endParaRPr lang="pt-BR" dirty="0"/>
+          </a:p>
+        </p:txBody>
+      </p:sp>
+      <p:sp>
+        <p:nvSpPr>
+          <p:cNvPr id="3" name="Espaço Reservado para Conteúdo 2"/>
+          <p:cNvSpPr>
+            <a:spLocks noGrp="1"/>
+          </p:cNvSpPr>
+          <p:nvPr>
+            <p:ph idx="1"/>
+          </p:nvPr>
+        </p:nvSpPr>
+        <p:spPr/>
+        <p:txBody>
+          <a:bodyPr/>
+          <a:lstStyle/>
+          <a:p>
+            <a:r>
+              <a:rPr lang="pt-BR" dirty="0" smtClean="0"/>
+              <a:t>Aprendizado não-supervisionado</a:t>
+            </a:r>
+          </a:p>
+          <a:p>
+            <a:r>
+              <a:rPr lang="pt-BR" dirty="0" smtClean="0"/>
+              <a:t>Primeiramente propostos por </a:t>
+            </a:r>
+            <a:r>
+              <a:rPr lang="pt-BR" dirty="0" err="1" smtClean="0"/>
+              <a:t>Teuvo</a:t>
+            </a:r>
+            <a:r>
+              <a:rPr lang="pt-BR" dirty="0" smtClean="0"/>
+              <a:t> </a:t>
+            </a:r>
+            <a:r>
+              <a:rPr lang="pt-BR" dirty="0" err="1" smtClean="0"/>
+              <a:t>Kohonen</a:t>
+            </a:r>
+            <a:endParaRPr lang="pt-BR" dirty="0" smtClean="0"/>
+          </a:p>
+          <a:p>
+            <a:r>
+              <a:rPr lang="pt-BR" dirty="0" smtClean="0"/>
+              <a:t>Formado por uma camada de entrada e uma de saída, geralmente uma grade bidimensional</a:t>
+            </a:r>
+          </a:p>
+          <a:p>
+            <a:r>
+              <a:rPr lang="pt-BR" dirty="0" smtClean="0"/>
+              <a:t>Redes SOM (</a:t>
+            </a:r>
+            <a:r>
+              <a:rPr lang="pt-BR" dirty="0" err="1" smtClean="0"/>
+              <a:t>Self-organizing</a:t>
+            </a:r>
+            <a:r>
+              <a:rPr lang="pt-BR" dirty="0" smtClean="0"/>
+              <a:t> </a:t>
+            </a:r>
+            <a:r>
+              <a:rPr lang="pt-BR" dirty="0" err="1" smtClean="0"/>
+              <a:t>maps</a:t>
+            </a:r>
+            <a:r>
+              <a:rPr lang="pt-BR" dirty="0" smtClean="0"/>
+              <a:t>)</a:t>
+            </a:r>
+            <a:endParaRPr lang="pt-BR" dirty="0"/>
+          </a:p>
+        </p:txBody>
+      </p:sp>
+    </p:spTree>
+  </p:cSld>
+  <p:clrMapOvr>
+    <a:masterClrMapping/>
+  </p:clrMapOvr>
+</p:sld>
+</file>
+
+<file path=ppt/slides/slide17.xml><?xml version="1.0" encoding="utf-8"?>
+<p:sld xmlns:a="http://schemas.openxmlformats.org/drawingml/2006/main" xmlns:r="http://schemas.openxmlformats.org/officeDocument/2006/relationships" xmlns:p="http://schemas.openxmlformats.org/presentationml/2006/main">
+  <p:cSld>
+    <p:spTree>
+      <p:nvGrpSpPr>
+        <p:cNvPr id="1" name=""/>
+        <p:cNvGrpSpPr/>
+        <p:nvPr/>
+      </p:nvGrpSpPr>
+      <p:grpSpPr>
+        <a:xfrm>
+          <a:off x="0" y="0"/>
+          <a:ext cx="0" cy="0"/>
+          <a:chOff x="0" y="0"/>
+          <a:chExt cx="0" cy="0"/>
+        </a:xfrm>
+      </p:grpSpPr>
+      <p:sp>
+        <p:nvSpPr>
+          <p:cNvPr id="2" name="Título 1"/>
+          <p:cNvSpPr>
+            <a:spLocks noGrp="1"/>
+          </p:cNvSpPr>
+          <p:nvPr>
+            <p:ph type="title"/>
+          </p:nvPr>
+        </p:nvSpPr>
+        <p:spPr/>
+        <p:txBody>
+          <a:bodyPr/>
+          <a:lstStyle/>
+          <a:p>
+            <a:r>
+              <a:rPr lang="pt-BR" dirty="0" smtClean="0"/>
+              <a:t>Mapas auto-organizáveis</a:t>
+            </a:r>
+            <a:endParaRPr lang="pt-BR" dirty="0"/>
+          </a:p>
+        </p:txBody>
+      </p:sp>
+      <p:sp>
+        <p:nvSpPr>
+          <p:cNvPr id="3" name="Espaço Reservado para Conteúdo 2"/>
+          <p:cNvSpPr>
+            <a:spLocks noGrp="1"/>
+          </p:cNvSpPr>
+          <p:nvPr>
+            <p:ph idx="1"/>
+          </p:nvPr>
+        </p:nvSpPr>
+        <p:spPr/>
+        <p:txBody>
+          <a:bodyPr/>
+          <a:lstStyle/>
+          <a:p>
+            <a:r>
+              <a:rPr lang="pt-BR" dirty="0" smtClean="0"/>
+              <a:t>Inspiração no cérebro de animais  mais desenvolvidos</a:t>
+            </a:r>
+          </a:p>
+          <a:p>
+            <a:r>
+              <a:rPr lang="pt-BR" dirty="0" smtClean="0"/>
+              <a:t>Córtex do cérebro é topologicamente organizado por funções específicas</a:t>
+            </a:r>
+          </a:p>
+          <a:p>
+            <a:r>
+              <a:rPr lang="pt-BR" dirty="0" smtClean="0"/>
+              <a:t>Feedback lateral</a:t>
+            </a:r>
+          </a:p>
+          <a:p>
+            <a:r>
+              <a:rPr lang="pt-BR" dirty="0" smtClean="0"/>
+              <a:t>(Imagem do cérebro)</a:t>
+            </a:r>
+          </a:p>
+          <a:p>
+            <a:endParaRPr lang="pt-BR" dirty="0" smtClean="0"/>
+          </a:p>
+        </p:txBody>
+      </p:sp>
+    </p:spTree>
+  </p:cSld>
+  <p:clrMapOvr>
+    <a:masterClrMapping/>
+  </p:clrMapOvr>
+</p:sld>
+</file>
+
+<file path=ppt/slides/slide18.xml><?xml version="1.0" encoding="utf-8"?>
+<p:sld xmlns:a="http://schemas.openxmlformats.org/drawingml/2006/main" xmlns:r="http://schemas.openxmlformats.org/officeDocument/2006/relationships" xmlns:p="http://schemas.openxmlformats.org/presentationml/2006/main">
+  <p:cSld>
+    <p:spTree>
+      <p:nvGrpSpPr>
+        <p:cNvPr id="1" name=""/>
+        <p:cNvGrpSpPr/>
+        <p:nvPr/>
+      </p:nvGrpSpPr>
+      <p:grpSpPr>
+        <a:xfrm>
+          <a:off x="0" y="0"/>
+          <a:ext cx="0" cy="0"/>
+          <a:chOff x="0" y="0"/>
+          <a:chExt cx="0" cy="0"/>
+        </a:xfrm>
+      </p:grpSpPr>
+      <p:sp>
+        <p:nvSpPr>
+          <p:cNvPr id="2" name="Título 1"/>
+          <p:cNvSpPr>
+            <a:spLocks noGrp="1"/>
+          </p:cNvSpPr>
+          <p:nvPr>
+            <p:ph type="title"/>
+          </p:nvPr>
+        </p:nvSpPr>
+        <p:spPr/>
+        <p:txBody>
+          <a:bodyPr/>
+          <a:lstStyle/>
+          <a:p>
+            <a:r>
+              <a:rPr lang="pt-BR" dirty="0" smtClean="0"/>
+              <a:t>Arquitetura das redes SOM </a:t>
+            </a:r>
+            <a:endParaRPr lang="pt-BR" dirty="0"/>
+          </a:p>
+        </p:txBody>
+      </p:sp>
+      <p:sp>
+        <p:nvSpPr>
+          <p:cNvPr id="3" name="Espaço Reservado para Conteúdo 2"/>
+          <p:cNvSpPr>
+            <a:spLocks noGrp="1"/>
+          </p:cNvSpPr>
+          <p:nvPr>
+            <p:ph idx="1"/>
+          </p:nvPr>
+        </p:nvSpPr>
+        <p:spPr/>
+        <p:txBody>
+          <a:bodyPr>
+            <a:normAutofit lnSpcReduction="10000"/>
+          </a:bodyPr>
+          <a:lstStyle/>
+          <a:p>
+            <a:r>
+              <a:rPr lang="pt-BR" dirty="0" smtClean="0"/>
+              <a:t>Grade bidimensional</a:t>
+            </a:r>
+          </a:p>
+          <a:p>
+            <a:r>
+              <a:rPr lang="pt-BR" dirty="0" smtClean="0"/>
+              <a:t>Formado por neurônios da camada de saída</a:t>
+            </a:r>
+          </a:p>
+          <a:p>
+            <a:r>
+              <a:rPr lang="pt-BR" dirty="0" smtClean="0"/>
+              <a:t>Cada neurônio possui um conjunto de pesos</a:t>
+            </a:r>
+          </a:p>
+          <a:p>
+            <a:r>
+              <a:rPr lang="pt-BR" dirty="0" smtClean="0"/>
+              <a:t>Os neurônios funcionam como extratores de características</a:t>
+            </a:r>
+          </a:p>
+          <a:p>
+            <a:r>
+              <a:rPr lang="pt-BR" dirty="0" smtClean="0"/>
+              <a:t>Aprendizado competitivo</a:t>
+            </a:r>
+          </a:p>
+          <a:p>
+            <a:r>
+              <a:rPr lang="pt-BR" dirty="0" smtClean="0"/>
+              <a:t>Iteração lateral</a:t>
+            </a:r>
+          </a:p>
+          <a:p>
+            <a:r>
+              <a:rPr lang="pt-BR" dirty="0" smtClean="0"/>
+              <a:t>Função chapéu mexicano</a:t>
+            </a:r>
+            <a:endParaRPr lang="pt-BR" dirty="0"/>
+          </a:p>
+        </p:txBody>
+      </p:sp>
+    </p:spTree>
+  </p:cSld>
+  <p:clrMapOvr>
+    <a:masterClrMapping/>
+  </p:clrMapOvr>
+</p:sld>
+</file>
+
+<file path=ppt/slides/slide19.xml><?xml version="1.0" encoding="utf-8"?>
+<p:sld xmlns:a="http://schemas.openxmlformats.org/drawingml/2006/main" xmlns:r="http://schemas.openxmlformats.org/officeDocument/2006/relationships" xmlns:p="http://schemas.openxmlformats.org/presentationml/2006/main">
+  <p:cSld>
+    <p:spTree>
+      <p:nvGrpSpPr>
+        <p:cNvPr id="1" name=""/>
+        <p:cNvGrpSpPr/>
+        <p:nvPr/>
+      </p:nvGrpSpPr>
+      <p:grpSpPr>
+        <a:xfrm>
+          <a:off x="0" y="0"/>
+          <a:ext cx="0" cy="0"/>
+          <a:chOff x="0" y="0"/>
+          <a:chExt cx="0" cy="0"/>
+        </a:xfrm>
+      </p:grpSpPr>
+      <p:sp>
+        <p:nvSpPr>
+          <p:cNvPr id="2" name="Título 1"/>
+          <p:cNvSpPr>
+            <a:spLocks noGrp="1"/>
+          </p:cNvSpPr>
+          <p:nvPr>
+            <p:ph type="title"/>
+          </p:nvPr>
+        </p:nvSpPr>
+        <p:spPr/>
+        <p:txBody>
+          <a:bodyPr/>
+          <a:lstStyle/>
+          <a:p>
+            <a:r>
+              <a:rPr lang="pt-BR" dirty="0" smtClean="0"/>
+              <a:t>Treinamento</a:t>
+            </a:r>
+            <a:endParaRPr lang="pt-BR" dirty="0"/>
+          </a:p>
+        </p:txBody>
+      </p:sp>
+      <p:sp>
+        <p:nvSpPr>
+          <p:cNvPr id="3" name="Espaço Reservado para Conteúdo 2"/>
+          <p:cNvSpPr>
+            <a:spLocks noGrp="1"/>
+          </p:cNvSpPr>
+          <p:nvPr>
+            <p:ph idx="1"/>
+          </p:nvPr>
+        </p:nvSpPr>
+        <p:spPr/>
+        <p:txBody>
+          <a:bodyPr>
+            <a:normAutofit lnSpcReduction="10000"/>
+          </a:bodyPr>
+          <a:lstStyle/>
+          <a:p>
+            <a:r>
+              <a:rPr lang="pt-BR" dirty="0" smtClean="0"/>
+              <a:t>Competitivo e não-supervisionado</a:t>
+            </a:r>
+          </a:p>
+          <a:p>
+            <a:r>
+              <a:rPr lang="pt-BR" dirty="0" smtClean="0"/>
+              <a:t>Função de ativação: </a:t>
+            </a:r>
+            <a:r>
+              <a:rPr lang="pt-BR" smtClean="0"/>
+              <a:t>distância </a:t>
+            </a:r>
+            <a:r>
+              <a:rPr lang="pt-BR" smtClean="0"/>
+              <a:t>euclidiana</a:t>
+            </a:r>
+            <a:endParaRPr lang="pt-BR" dirty="0" smtClean="0"/>
+          </a:p>
+          <a:p>
+            <a:r>
+              <a:rPr lang="pt-BR" dirty="0" smtClean="0"/>
+              <a:t>Escolha do vencedor</a:t>
+            </a:r>
+          </a:p>
+          <a:p>
+            <a:r>
+              <a:rPr lang="pt-BR" dirty="0" smtClean="0"/>
+              <a:t>Região de vizinhança</a:t>
+            </a:r>
+          </a:p>
+          <a:p>
+            <a:r>
+              <a:rPr lang="pt-BR" dirty="0" smtClean="0"/>
+              <a:t>Atualização de </a:t>
+            </a:r>
+            <a:r>
+              <a:rPr lang="pt-BR" dirty="0" smtClean="0"/>
+              <a:t>pesos</a:t>
+            </a:r>
+            <a:endParaRPr lang="pt-BR" dirty="0" smtClean="0"/>
+          </a:p>
+          <a:p>
+            <a:r>
+              <a:rPr lang="pt-BR" dirty="0" smtClean="0"/>
+              <a:t>Função de </a:t>
+            </a:r>
+            <a:r>
+              <a:rPr lang="pt-BR" dirty="0" smtClean="0"/>
+              <a:t>vizinhança</a:t>
+            </a:r>
+            <a:endParaRPr lang="pt-BR" dirty="0" smtClean="0"/>
+          </a:p>
+          <a:p>
+            <a:r>
+              <a:rPr lang="pt-BR" dirty="0" smtClean="0"/>
+              <a:t>(Figura do fluxograma do algoritmo de treinamento)</a:t>
+            </a:r>
+            <a:endParaRPr lang="pt-BR" dirty="0"/>
+          </a:p>
+        </p:txBody>
+      </p:sp>
+    </p:spTree>
+  </p:cSld>
+  <p:clrMapOvr>
+    <a:masterClrMapping/>
+  </p:clrMapOvr>
+</p:sld>
+</file>
+
 <file path=ppt/slides/slide2.xml><?xml version="1.0" encoding="utf-8"?>
 <p:sld xmlns:a="http://schemas.openxmlformats.org/drawingml/2006/main" xmlns:r="http://schemas.openxmlformats.org/officeDocument/2006/relationships" xmlns:p="http://schemas.openxmlformats.org/presentationml/2006/main">
   <p:cSld>
@@ -3773,6 +4836,829 @@
 </p:sld>
 </file>
 
+<file path=ppt/slides/slide20.xml><?xml version="1.0" encoding="utf-8"?>
+<p:sld xmlns:a="http://schemas.openxmlformats.org/drawingml/2006/main" xmlns:r="http://schemas.openxmlformats.org/officeDocument/2006/relationships" xmlns:p="http://schemas.openxmlformats.org/presentationml/2006/main">
+  <p:cSld>
+    <p:spTree>
+      <p:nvGrpSpPr>
+        <p:cNvPr id="1" name=""/>
+        <p:cNvGrpSpPr/>
+        <p:nvPr/>
+      </p:nvGrpSpPr>
+      <p:grpSpPr>
+        <a:xfrm>
+          <a:off x="0" y="0"/>
+          <a:ext cx="0" cy="0"/>
+          <a:chOff x="0" y="0"/>
+          <a:chExt cx="0" cy="0"/>
+        </a:xfrm>
+      </p:grpSpPr>
+      <p:sp>
+        <p:nvSpPr>
+          <p:cNvPr id="2" name="Título 1"/>
+          <p:cNvSpPr>
+            <a:spLocks noGrp="1"/>
+          </p:cNvSpPr>
+          <p:nvPr>
+            <p:ph type="title"/>
+          </p:nvPr>
+        </p:nvSpPr>
+        <p:spPr/>
+        <p:txBody>
+          <a:bodyPr/>
+          <a:lstStyle/>
+          <a:p>
+            <a:r>
+              <a:rPr lang="pt-BR" dirty="0" smtClean="0"/>
+              <a:t>Modelo proposto</a:t>
+            </a:r>
+            <a:endParaRPr lang="pt-BR" dirty="0"/>
+          </a:p>
+        </p:txBody>
+      </p:sp>
+      <p:sp>
+        <p:nvSpPr>
+          <p:cNvPr id="3" name="Espaço Reservado para Conteúdo 2"/>
+          <p:cNvSpPr>
+            <a:spLocks noGrp="1"/>
+          </p:cNvSpPr>
+          <p:nvPr>
+            <p:ph idx="1"/>
+          </p:nvPr>
+        </p:nvSpPr>
+        <p:spPr/>
+        <p:txBody>
+          <a:bodyPr/>
+          <a:lstStyle/>
+          <a:p>
+            <a:r>
+              <a:rPr lang="pt-BR" dirty="0" smtClean="0"/>
+              <a:t>Sistema de recomendação para locadoras</a:t>
+            </a:r>
+          </a:p>
+          <a:p>
+            <a:r>
+              <a:rPr lang="pt-BR" dirty="0" smtClean="0"/>
+              <a:t>Não existe avaliações de usuários</a:t>
+            </a:r>
+          </a:p>
+          <a:p>
+            <a:r>
+              <a:rPr lang="pt-BR" dirty="0" smtClean="0"/>
+              <a:t>Baseado no histórico de locações</a:t>
+            </a:r>
+          </a:p>
+          <a:p>
+            <a:r>
+              <a:rPr lang="pt-BR" dirty="0" smtClean="0"/>
+              <a:t>Utiliza redes SOM</a:t>
+            </a:r>
+          </a:p>
+          <a:p>
+            <a:r>
+              <a:rPr lang="pt-BR" dirty="0" smtClean="0"/>
+              <a:t>Um mapa por cliente</a:t>
+            </a:r>
+            <a:endParaRPr lang="pt-BR" dirty="0"/>
+          </a:p>
+        </p:txBody>
+      </p:sp>
+    </p:spTree>
+  </p:cSld>
+  <p:clrMapOvr>
+    <a:masterClrMapping/>
+  </p:clrMapOvr>
+</p:sld>
+</file>
+
+<file path=ppt/slides/slide21.xml><?xml version="1.0" encoding="utf-8"?>
+<p:sld xmlns:a="http://schemas.openxmlformats.org/drawingml/2006/main" xmlns:r="http://schemas.openxmlformats.org/officeDocument/2006/relationships" xmlns:p="http://schemas.openxmlformats.org/presentationml/2006/main">
+  <p:cSld>
+    <p:spTree>
+      <p:nvGrpSpPr>
+        <p:cNvPr id="1" name=""/>
+        <p:cNvGrpSpPr/>
+        <p:nvPr/>
+      </p:nvGrpSpPr>
+      <p:grpSpPr>
+        <a:xfrm>
+          <a:off x="0" y="0"/>
+          <a:ext cx="0" cy="0"/>
+          <a:chOff x="0" y="0"/>
+          <a:chExt cx="0" cy="0"/>
+        </a:xfrm>
+      </p:grpSpPr>
+      <p:sp>
+        <p:nvSpPr>
+          <p:cNvPr id="2" name="Título 1"/>
+          <p:cNvSpPr>
+            <a:spLocks noGrp="1"/>
+          </p:cNvSpPr>
+          <p:nvPr>
+            <p:ph type="title"/>
+          </p:nvPr>
+        </p:nvSpPr>
+        <p:spPr/>
+        <p:txBody>
+          <a:bodyPr/>
+          <a:lstStyle/>
+          <a:p>
+            <a:r>
+              <a:rPr lang="pt-BR" dirty="0" smtClean="0"/>
+              <a:t>Motivação</a:t>
+            </a:r>
+            <a:endParaRPr lang="pt-BR" dirty="0"/>
+          </a:p>
+        </p:txBody>
+      </p:sp>
+      <p:sp>
+        <p:nvSpPr>
+          <p:cNvPr id="3" name="Espaço Reservado para Conteúdo 2"/>
+          <p:cNvSpPr>
+            <a:spLocks noGrp="1"/>
+          </p:cNvSpPr>
+          <p:nvPr>
+            <p:ph idx="1"/>
+          </p:nvPr>
+        </p:nvSpPr>
+        <p:spPr/>
+        <p:txBody>
+          <a:bodyPr/>
+          <a:lstStyle/>
+          <a:p>
+            <a:r>
+              <a:rPr lang="pt-BR" dirty="0" smtClean="0"/>
+              <a:t>Carência de ferramentas de recomendação em ambientes de vídeo locadoras</a:t>
+            </a:r>
+          </a:p>
+          <a:p>
+            <a:r>
+              <a:rPr lang="pt-BR" dirty="0" smtClean="0"/>
+              <a:t>A busca por recomendações é comum</a:t>
+            </a:r>
+          </a:p>
+          <a:p>
+            <a:r>
+              <a:rPr lang="pt-BR" dirty="0" smtClean="0"/>
+              <a:t>É preciso conhecer o perfil do cliente para fazer boas recomendações</a:t>
+            </a:r>
+            <a:endParaRPr lang="pt-BR" dirty="0"/>
+          </a:p>
+        </p:txBody>
+      </p:sp>
+    </p:spTree>
+  </p:cSld>
+  <p:clrMapOvr>
+    <a:masterClrMapping/>
+  </p:clrMapOvr>
+</p:sld>
+</file>
+
+<file path=ppt/slides/slide22.xml><?xml version="1.0" encoding="utf-8"?>
+<p:sld xmlns:a="http://schemas.openxmlformats.org/drawingml/2006/main" xmlns:r="http://schemas.openxmlformats.org/officeDocument/2006/relationships" xmlns:p="http://schemas.openxmlformats.org/presentationml/2006/main">
+  <p:cSld>
+    <p:spTree>
+      <p:nvGrpSpPr>
+        <p:cNvPr id="1" name=""/>
+        <p:cNvGrpSpPr/>
+        <p:nvPr/>
+      </p:nvGrpSpPr>
+      <p:grpSpPr>
+        <a:xfrm>
+          <a:off x="0" y="0"/>
+          <a:ext cx="0" cy="0"/>
+          <a:chOff x="0" y="0"/>
+          <a:chExt cx="0" cy="0"/>
+        </a:xfrm>
+      </p:grpSpPr>
+      <p:sp>
+        <p:nvSpPr>
+          <p:cNvPr id="2" name="Título 1"/>
+          <p:cNvSpPr>
+            <a:spLocks noGrp="1"/>
+          </p:cNvSpPr>
+          <p:nvPr>
+            <p:ph type="title"/>
+          </p:nvPr>
+        </p:nvSpPr>
+        <p:spPr/>
+        <p:txBody>
+          <a:bodyPr/>
+          <a:lstStyle/>
+          <a:p>
+            <a:r>
+              <a:rPr lang="pt-BR" dirty="0" smtClean="0"/>
+              <a:t>Objetivos</a:t>
+            </a:r>
+            <a:endParaRPr lang="pt-BR" dirty="0"/>
+          </a:p>
+        </p:txBody>
+      </p:sp>
+      <p:sp>
+        <p:nvSpPr>
+          <p:cNvPr id="3" name="Espaço Reservado para Conteúdo 2"/>
+          <p:cNvSpPr>
+            <a:spLocks noGrp="1"/>
+          </p:cNvSpPr>
+          <p:nvPr>
+            <p:ph idx="1"/>
+          </p:nvPr>
+        </p:nvSpPr>
+        <p:spPr/>
+        <p:txBody>
+          <a:bodyPr/>
+          <a:lstStyle/>
+          <a:p>
+            <a:r>
+              <a:rPr lang="pt-BR" dirty="0" smtClean="0"/>
+              <a:t>Auxiliar o cliente na escolha do título a ser locado</a:t>
+            </a:r>
+          </a:p>
+          <a:p>
+            <a:r>
+              <a:rPr lang="pt-BR" dirty="0" smtClean="0"/>
+              <a:t>Formar um mapa com títulos do histórico de locações agrupando-os de acordo com a similaridade entre eles</a:t>
+            </a:r>
+            <a:endParaRPr lang="pt-BR" dirty="0"/>
+          </a:p>
+        </p:txBody>
+      </p:sp>
+    </p:spTree>
+  </p:cSld>
+  <p:clrMapOvr>
+    <a:masterClrMapping/>
+  </p:clrMapOvr>
+</p:sld>
+</file>
+
+<file path=ppt/slides/slide23.xml><?xml version="1.0" encoding="utf-8"?>
+<p:sld xmlns:a="http://schemas.openxmlformats.org/drawingml/2006/main" xmlns:r="http://schemas.openxmlformats.org/officeDocument/2006/relationships" xmlns:p="http://schemas.openxmlformats.org/presentationml/2006/main">
+  <p:cSld>
+    <p:spTree>
+      <p:nvGrpSpPr>
+        <p:cNvPr id="1" name=""/>
+        <p:cNvGrpSpPr/>
+        <p:nvPr/>
+      </p:nvGrpSpPr>
+      <p:grpSpPr>
+        <a:xfrm>
+          <a:off x="0" y="0"/>
+          <a:ext cx="0" cy="0"/>
+          <a:chOff x="0" y="0"/>
+          <a:chExt cx="0" cy="0"/>
+        </a:xfrm>
+      </p:grpSpPr>
+      <p:sp>
+        <p:nvSpPr>
+          <p:cNvPr id="2" name="Título 1"/>
+          <p:cNvSpPr>
+            <a:spLocks noGrp="1"/>
+          </p:cNvSpPr>
+          <p:nvPr>
+            <p:ph type="title"/>
+          </p:nvPr>
+        </p:nvSpPr>
+        <p:spPr/>
+        <p:txBody>
+          <a:bodyPr/>
+          <a:lstStyle/>
+          <a:p>
+            <a:r>
+              <a:rPr lang="pt-BR" dirty="0" smtClean="0"/>
+              <a:t>Arquitetura do modelo</a:t>
+            </a:r>
+            <a:endParaRPr lang="pt-BR" dirty="0"/>
+          </a:p>
+        </p:txBody>
+      </p:sp>
+      <p:sp>
+        <p:nvSpPr>
+          <p:cNvPr id="3" name="Espaço Reservado para Conteúdo 2"/>
+          <p:cNvSpPr>
+            <a:spLocks noGrp="1"/>
+          </p:cNvSpPr>
+          <p:nvPr>
+            <p:ph idx="1"/>
+          </p:nvPr>
+        </p:nvSpPr>
+        <p:spPr/>
+        <p:txBody>
+          <a:bodyPr/>
+          <a:lstStyle/>
+          <a:p>
+            <a:r>
+              <a:rPr lang="pt-BR" dirty="0" smtClean="0"/>
+              <a:t>Mapa SOM bidimensional</a:t>
+            </a:r>
+          </a:p>
+          <a:p>
+            <a:r>
+              <a:rPr lang="pt-BR" dirty="0" smtClean="0"/>
+              <a:t>Os neurônios irão representar filmes do histórico do cliente</a:t>
+            </a:r>
+            <a:endParaRPr lang="pt-BR" dirty="0"/>
+          </a:p>
+        </p:txBody>
+      </p:sp>
+    </p:spTree>
+  </p:cSld>
+  <p:clrMapOvr>
+    <a:masterClrMapping/>
+  </p:clrMapOvr>
+</p:sld>
+</file>
+
+<file path=ppt/slides/slide24.xml><?xml version="1.0" encoding="utf-8"?>
+<p:sld xmlns:a="http://schemas.openxmlformats.org/drawingml/2006/main" xmlns:r="http://schemas.openxmlformats.org/officeDocument/2006/relationships" xmlns:p="http://schemas.openxmlformats.org/presentationml/2006/main">
+  <p:cSld>
+    <p:spTree>
+      <p:nvGrpSpPr>
+        <p:cNvPr id="1" name=""/>
+        <p:cNvGrpSpPr/>
+        <p:nvPr/>
+      </p:nvGrpSpPr>
+      <p:grpSpPr>
+        <a:xfrm>
+          <a:off x="0" y="0"/>
+          <a:ext cx="0" cy="0"/>
+          <a:chOff x="0" y="0"/>
+          <a:chExt cx="0" cy="0"/>
+        </a:xfrm>
+      </p:grpSpPr>
+      <p:sp>
+        <p:nvSpPr>
+          <p:cNvPr id="2" name="Título 1"/>
+          <p:cNvSpPr>
+            <a:spLocks noGrp="1"/>
+          </p:cNvSpPr>
+          <p:nvPr>
+            <p:ph type="title"/>
+          </p:nvPr>
+        </p:nvSpPr>
+        <p:spPr/>
+        <p:txBody>
+          <a:bodyPr/>
+          <a:lstStyle/>
+          <a:p>
+            <a:r>
+              <a:rPr lang="pt-BR" dirty="0" smtClean="0"/>
+              <a:t>Funcionamento do modelo</a:t>
+            </a:r>
+            <a:endParaRPr lang="pt-BR" dirty="0"/>
+          </a:p>
+        </p:txBody>
+      </p:sp>
+      <p:sp>
+        <p:nvSpPr>
+          <p:cNvPr id="3" name="Espaço Reservado para Conteúdo 2"/>
+          <p:cNvSpPr>
+            <a:spLocks noGrp="1"/>
+          </p:cNvSpPr>
+          <p:nvPr>
+            <p:ph idx="1"/>
+          </p:nvPr>
+        </p:nvSpPr>
+        <p:spPr/>
+        <p:txBody>
+          <a:bodyPr>
+            <a:normAutofit lnSpcReduction="10000"/>
+          </a:bodyPr>
+          <a:lstStyle/>
+          <a:p>
+            <a:r>
+              <a:rPr lang="pt-BR" dirty="0" smtClean="0"/>
+              <a:t>É criado um mapa para cada cliente</a:t>
+            </a:r>
+          </a:p>
+          <a:p>
+            <a:r>
+              <a:rPr lang="pt-BR" dirty="0" smtClean="0"/>
+              <a:t>O mapa é composto pelos filmes presentes no histórico do cliente</a:t>
+            </a:r>
+          </a:p>
+          <a:p>
+            <a:r>
+              <a:rPr lang="pt-BR" dirty="0" smtClean="0"/>
+              <a:t>No momento da locação o cliente apresenta um novo filmes à rede</a:t>
+            </a:r>
+          </a:p>
+          <a:p>
+            <a:r>
+              <a:rPr lang="pt-BR" dirty="0" smtClean="0"/>
+              <a:t>É calculado o neurônio que irá representar esse novo filme e são determinados os filmes com maior similaridade presentes no histórico do cliente</a:t>
+            </a:r>
+            <a:endParaRPr lang="pt-BR" dirty="0"/>
+          </a:p>
+        </p:txBody>
+      </p:sp>
+    </p:spTree>
+  </p:cSld>
+  <p:clrMapOvr>
+    <a:masterClrMapping/>
+  </p:clrMapOvr>
+</p:sld>
+</file>
+
+<file path=ppt/slides/slide25.xml><?xml version="1.0" encoding="utf-8"?>
+<p:sld xmlns:a="http://schemas.openxmlformats.org/drawingml/2006/main" xmlns:r="http://schemas.openxmlformats.org/officeDocument/2006/relationships" xmlns:p="http://schemas.openxmlformats.org/presentationml/2006/main">
+  <p:cSld>
+    <p:spTree>
+      <p:nvGrpSpPr>
+        <p:cNvPr id="1" name=""/>
+        <p:cNvGrpSpPr/>
+        <p:nvPr/>
+      </p:nvGrpSpPr>
+      <p:grpSpPr>
+        <a:xfrm>
+          <a:off x="0" y="0"/>
+          <a:ext cx="0" cy="0"/>
+          <a:chOff x="0" y="0"/>
+          <a:chExt cx="0" cy="0"/>
+        </a:xfrm>
+      </p:grpSpPr>
+      <p:sp>
+        <p:nvSpPr>
+          <p:cNvPr id="2" name="Título 1"/>
+          <p:cNvSpPr>
+            <a:spLocks noGrp="1"/>
+          </p:cNvSpPr>
+          <p:nvPr>
+            <p:ph type="title"/>
+          </p:nvPr>
+        </p:nvSpPr>
+        <p:spPr/>
+        <p:txBody>
+          <a:bodyPr/>
+          <a:lstStyle/>
+          <a:p>
+            <a:r>
+              <a:rPr lang="pt-BR" dirty="0" smtClean="0"/>
+              <a:t>Funcionamento</a:t>
+            </a:r>
+            <a:endParaRPr lang="pt-BR" dirty="0"/>
+          </a:p>
+        </p:txBody>
+      </p:sp>
+      <p:sp>
+        <p:nvSpPr>
+          <p:cNvPr id="3" name="Espaço Reservado para Conteúdo 2"/>
+          <p:cNvSpPr>
+            <a:spLocks noGrp="1"/>
+          </p:cNvSpPr>
+          <p:nvPr>
+            <p:ph idx="1"/>
+          </p:nvPr>
+        </p:nvSpPr>
+        <p:spPr/>
+        <p:txBody>
+          <a:bodyPr/>
+          <a:lstStyle/>
+          <a:p>
+            <a:r>
+              <a:rPr lang="pt-BR" dirty="0" smtClean="0"/>
+              <a:t>(Figura do fluxo de execução do modelo)</a:t>
+            </a:r>
+            <a:endParaRPr lang="pt-BR" dirty="0"/>
+          </a:p>
+        </p:txBody>
+      </p:sp>
+    </p:spTree>
+  </p:cSld>
+  <p:clrMapOvr>
+    <a:masterClrMapping/>
+  </p:clrMapOvr>
+</p:sld>
+</file>
+
+<file path=ppt/slides/slide26.xml><?xml version="1.0" encoding="utf-8"?>
+<p:sld xmlns:a="http://schemas.openxmlformats.org/drawingml/2006/main" xmlns:r="http://schemas.openxmlformats.org/officeDocument/2006/relationships" xmlns:p="http://schemas.openxmlformats.org/presentationml/2006/main">
+  <p:cSld>
+    <p:spTree>
+      <p:nvGrpSpPr>
+        <p:cNvPr id="1" name=""/>
+        <p:cNvGrpSpPr/>
+        <p:nvPr/>
+      </p:nvGrpSpPr>
+      <p:grpSpPr>
+        <a:xfrm>
+          <a:off x="0" y="0"/>
+          <a:ext cx="0" cy="0"/>
+          <a:chOff x="0" y="0"/>
+          <a:chExt cx="0" cy="0"/>
+        </a:xfrm>
+      </p:grpSpPr>
+      <p:sp>
+        <p:nvSpPr>
+          <p:cNvPr id="2" name="Título 1"/>
+          <p:cNvSpPr>
+            <a:spLocks noGrp="1"/>
+          </p:cNvSpPr>
+          <p:nvPr>
+            <p:ph type="title"/>
+          </p:nvPr>
+        </p:nvSpPr>
+        <p:spPr/>
+        <p:txBody>
+          <a:bodyPr/>
+          <a:lstStyle/>
+          <a:p>
+            <a:endParaRPr lang="pt-BR" dirty="0"/>
+          </a:p>
+        </p:txBody>
+      </p:sp>
+      <p:sp>
+        <p:nvSpPr>
+          <p:cNvPr id="3" name="Espaço Reservado para Conteúdo 2"/>
+          <p:cNvSpPr>
+            <a:spLocks noGrp="1"/>
+          </p:cNvSpPr>
+          <p:nvPr>
+            <p:ph idx="1"/>
+          </p:nvPr>
+        </p:nvSpPr>
+        <p:spPr/>
+        <p:txBody>
+          <a:bodyPr/>
+          <a:lstStyle/>
+          <a:p>
+            <a:r>
+              <a:rPr lang="pt-BR" dirty="0" smtClean="0"/>
+              <a:t>(Figura do mapa)</a:t>
+            </a:r>
+            <a:endParaRPr lang="pt-BR" dirty="0"/>
+          </a:p>
+        </p:txBody>
+      </p:sp>
+    </p:spTree>
+  </p:cSld>
+  <p:clrMapOvr>
+    <a:masterClrMapping/>
+  </p:clrMapOvr>
+</p:sld>
+</file>
+
+<file path=ppt/slides/slide27.xml><?xml version="1.0" encoding="utf-8"?>
+<p:sld xmlns:a="http://schemas.openxmlformats.org/drawingml/2006/main" xmlns:r="http://schemas.openxmlformats.org/officeDocument/2006/relationships" xmlns:p="http://schemas.openxmlformats.org/presentationml/2006/main">
+  <p:cSld>
+    <p:spTree>
+      <p:nvGrpSpPr>
+        <p:cNvPr id="1" name=""/>
+        <p:cNvGrpSpPr/>
+        <p:nvPr/>
+      </p:nvGrpSpPr>
+      <p:grpSpPr>
+        <a:xfrm>
+          <a:off x="0" y="0"/>
+          <a:ext cx="0" cy="0"/>
+          <a:chOff x="0" y="0"/>
+          <a:chExt cx="0" cy="0"/>
+        </a:xfrm>
+      </p:grpSpPr>
+      <p:sp>
+        <p:nvSpPr>
+          <p:cNvPr id="2" name="Título 1"/>
+          <p:cNvSpPr>
+            <a:spLocks noGrp="1"/>
+          </p:cNvSpPr>
+          <p:nvPr>
+            <p:ph type="title"/>
+          </p:nvPr>
+        </p:nvSpPr>
+        <p:spPr/>
+        <p:txBody>
+          <a:bodyPr/>
+          <a:lstStyle/>
+          <a:p>
+            <a:r>
+              <a:rPr lang="pt-BR" dirty="0" smtClean="0"/>
+              <a:t>Experimentos</a:t>
+            </a:r>
+            <a:endParaRPr lang="pt-BR" dirty="0"/>
+          </a:p>
+        </p:txBody>
+      </p:sp>
+      <p:sp>
+        <p:nvSpPr>
+          <p:cNvPr id="3" name="Espaço Reservado para Conteúdo 2"/>
+          <p:cNvSpPr>
+            <a:spLocks noGrp="1"/>
+          </p:cNvSpPr>
+          <p:nvPr>
+            <p:ph idx="1"/>
+          </p:nvPr>
+        </p:nvSpPr>
+        <p:spPr/>
+        <p:txBody>
+          <a:bodyPr>
+            <a:normAutofit lnSpcReduction="10000"/>
+          </a:bodyPr>
+          <a:lstStyle/>
+          <a:p>
+            <a:r>
+              <a:rPr lang="pt-BR" dirty="0" err="1" smtClean="0"/>
+              <a:t>MovieLens</a:t>
+            </a:r>
+            <a:r>
+              <a:rPr lang="pt-BR" dirty="0" smtClean="0"/>
+              <a:t> Data Set</a:t>
+            </a:r>
+          </a:p>
+          <a:p>
+            <a:r>
+              <a:rPr lang="pt-BR" dirty="0" smtClean="0"/>
+              <a:t>Cada usuário foi tratado como um cliente da locadora</a:t>
+            </a:r>
+          </a:p>
+          <a:p>
+            <a:r>
+              <a:rPr lang="pt-BR" dirty="0" smtClean="0"/>
+              <a:t>A base de avaliações foi dividida entre treinamento e teste</a:t>
+            </a:r>
+          </a:p>
+          <a:p>
+            <a:r>
+              <a:rPr lang="pt-BR" dirty="0" smtClean="0"/>
+              <a:t>A base de treinamento representa os filmes já locados</a:t>
+            </a:r>
+          </a:p>
+          <a:p>
+            <a:r>
+              <a:rPr lang="pt-BR" dirty="0" smtClean="0"/>
+              <a:t>A base de teste representa os filmes que irão ser locados</a:t>
+            </a:r>
+          </a:p>
+          <a:p>
+            <a:pPr>
+              <a:buNone/>
+            </a:pPr>
+            <a:endParaRPr lang="pt-BR" dirty="0" smtClean="0"/>
+          </a:p>
+        </p:txBody>
+      </p:sp>
+    </p:spTree>
+  </p:cSld>
+  <p:clrMapOvr>
+    <a:masterClrMapping/>
+  </p:clrMapOvr>
+</p:sld>
+</file>
+
+<file path=ppt/slides/slide28.xml><?xml version="1.0" encoding="utf-8"?>
+<p:sld xmlns:a="http://schemas.openxmlformats.org/drawingml/2006/main" xmlns:r="http://schemas.openxmlformats.org/officeDocument/2006/relationships" xmlns:p="http://schemas.openxmlformats.org/presentationml/2006/main">
+  <p:cSld>
+    <p:spTree>
+      <p:nvGrpSpPr>
+        <p:cNvPr id="1" name=""/>
+        <p:cNvGrpSpPr/>
+        <p:nvPr/>
+      </p:nvGrpSpPr>
+      <p:grpSpPr>
+        <a:xfrm>
+          <a:off x="0" y="0"/>
+          <a:ext cx="0" cy="0"/>
+          <a:chOff x="0" y="0"/>
+          <a:chExt cx="0" cy="0"/>
+        </a:xfrm>
+      </p:grpSpPr>
+      <p:sp>
+        <p:nvSpPr>
+          <p:cNvPr id="2" name="Título 1"/>
+          <p:cNvSpPr>
+            <a:spLocks noGrp="1"/>
+          </p:cNvSpPr>
+          <p:nvPr>
+            <p:ph type="title"/>
+          </p:nvPr>
+        </p:nvSpPr>
+        <p:spPr/>
+        <p:txBody>
+          <a:bodyPr>
+            <a:normAutofit/>
+          </a:bodyPr>
+          <a:lstStyle/>
+          <a:p>
+            <a:r>
+              <a:rPr lang="pt-BR" dirty="0" smtClean="0"/>
+              <a:t>Resultados</a:t>
+            </a:r>
+            <a:endParaRPr lang="pt-BR" dirty="0"/>
+          </a:p>
+        </p:txBody>
+      </p:sp>
+      <p:sp>
+        <p:nvSpPr>
+          <p:cNvPr id="3" name="Espaço Reservado para Conteúdo 2"/>
+          <p:cNvSpPr>
+            <a:spLocks noGrp="1"/>
+          </p:cNvSpPr>
+          <p:nvPr>
+            <p:ph idx="1"/>
+          </p:nvPr>
+        </p:nvSpPr>
+        <p:spPr/>
+        <p:txBody>
+          <a:bodyPr/>
+          <a:lstStyle/>
+          <a:p>
+            <a:r>
+              <a:rPr lang="pt-BR" dirty="0" smtClean="0"/>
+              <a:t>(Colar tabelas com resultados)</a:t>
+            </a:r>
+            <a:endParaRPr lang="pt-BR" dirty="0"/>
+          </a:p>
+        </p:txBody>
+      </p:sp>
+    </p:spTree>
+  </p:cSld>
+  <p:clrMapOvr>
+    <a:masterClrMapping/>
+  </p:clrMapOvr>
+</p:sld>
+</file>
+
+<file path=ppt/slides/slide29.xml><?xml version="1.0" encoding="utf-8"?>
+<p:sld xmlns:a="http://schemas.openxmlformats.org/drawingml/2006/main" xmlns:r="http://schemas.openxmlformats.org/officeDocument/2006/relationships" xmlns:p="http://schemas.openxmlformats.org/presentationml/2006/main">
+  <p:cSld>
+    <p:spTree>
+      <p:nvGrpSpPr>
+        <p:cNvPr id="1" name=""/>
+        <p:cNvGrpSpPr/>
+        <p:nvPr/>
+      </p:nvGrpSpPr>
+      <p:grpSpPr>
+        <a:xfrm>
+          <a:off x="0" y="0"/>
+          <a:ext cx="0" cy="0"/>
+          <a:chOff x="0" y="0"/>
+          <a:chExt cx="0" cy="0"/>
+        </a:xfrm>
+      </p:grpSpPr>
+      <p:sp>
+        <p:nvSpPr>
+          <p:cNvPr id="2" name="Título 1"/>
+          <p:cNvSpPr>
+            <a:spLocks noGrp="1"/>
+          </p:cNvSpPr>
+          <p:nvPr>
+            <p:ph type="title"/>
+          </p:nvPr>
+        </p:nvSpPr>
+        <p:spPr/>
+        <p:txBody>
+          <a:bodyPr/>
+          <a:lstStyle/>
+          <a:p>
+            <a:r>
+              <a:rPr lang="pt-BR" dirty="0" smtClean="0"/>
+              <a:t>Conclusões</a:t>
+            </a:r>
+            <a:endParaRPr lang="pt-BR" dirty="0"/>
+          </a:p>
+        </p:txBody>
+      </p:sp>
+      <p:sp>
+        <p:nvSpPr>
+          <p:cNvPr id="3" name="Espaço Reservado para Conteúdo 2"/>
+          <p:cNvSpPr>
+            <a:spLocks noGrp="1"/>
+          </p:cNvSpPr>
+          <p:nvPr>
+            <p:ph idx="1"/>
+          </p:nvPr>
+        </p:nvSpPr>
+        <p:spPr/>
+        <p:txBody>
+          <a:bodyPr/>
+          <a:lstStyle/>
+          <a:p>
+            <a:r>
+              <a:rPr lang="pt-BR" dirty="0" smtClean="0"/>
+              <a:t>Prova de conceito</a:t>
+            </a:r>
+          </a:p>
+          <a:p>
+            <a:r>
+              <a:rPr lang="pt-BR" dirty="0" smtClean="0"/>
+              <a:t>Vídeo locadoras carecem de sistemas de recomendação</a:t>
+            </a:r>
+          </a:p>
+          <a:p>
+            <a:r>
+              <a:rPr lang="pt-BR" dirty="0" smtClean="0"/>
+              <a:t>É possível construir um perfil a partir do histórico</a:t>
+            </a:r>
+            <a:endParaRPr lang="pt-BR" dirty="0"/>
+          </a:p>
+        </p:txBody>
+      </p:sp>
+    </p:spTree>
+  </p:cSld>
+  <p:clrMapOvr>
+    <a:masterClrMapping/>
+  </p:clrMapOvr>
+</p:sld>
+</file>
+
 <file path=ppt/slides/slide3.xml><?xml version="1.0" encoding="utf-8"?>
 <p:sld xmlns:a="http://schemas.openxmlformats.org/drawingml/2006/main" xmlns:r="http://schemas.openxmlformats.org/officeDocument/2006/relationships" xmlns:p="http://schemas.openxmlformats.org/presentationml/2006/main">
   <p:cSld>
@@ -3935,6 +5821,248 @@
 </p:sld>
 </file>
 
+<file path=ppt/slides/slide30.xml><?xml version="1.0" encoding="utf-8"?>
+<p:sld xmlns:a="http://schemas.openxmlformats.org/drawingml/2006/main" xmlns:r="http://schemas.openxmlformats.org/officeDocument/2006/relationships" xmlns:p="http://schemas.openxmlformats.org/presentationml/2006/main">
+  <p:cSld>
+    <p:spTree>
+      <p:nvGrpSpPr>
+        <p:cNvPr id="1" name=""/>
+        <p:cNvGrpSpPr/>
+        <p:nvPr/>
+      </p:nvGrpSpPr>
+      <p:grpSpPr>
+        <a:xfrm>
+          <a:off x="0" y="0"/>
+          <a:ext cx="0" cy="0"/>
+          <a:chOff x="0" y="0"/>
+          <a:chExt cx="0" cy="0"/>
+        </a:xfrm>
+      </p:grpSpPr>
+      <p:sp>
+        <p:nvSpPr>
+          <p:cNvPr id="2" name="Título 1"/>
+          <p:cNvSpPr>
+            <a:spLocks noGrp="1"/>
+          </p:cNvSpPr>
+          <p:nvPr>
+            <p:ph type="title"/>
+          </p:nvPr>
+        </p:nvSpPr>
+        <p:spPr/>
+        <p:txBody>
+          <a:bodyPr/>
+          <a:lstStyle/>
+          <a:p>
+            <a:r>
+              <a:rPr lang="pt-BR" dirty="0" smtClean="0"/>
+              <a:t>Trabalhos futuros</a:t>
+            </a:r>
+            <a:endParaRPr lang="pt-BR" dirty="0"/>
+          </a:p>
+        </p:txBody>
+      </p:sp>
+      <p:sp>
+        <p:nvSpPr>
+          <p:cNvPr id="3" name="Espaço Reservado para Conteúdo 2"/>
+          <p:cNvSpPr>
+            <a:spLocks noGrp="1"/>
+          </p:cNvSpPr>
+          <p:nvPr>
+            <p:ph idx="1"/>
+          </p:nvPr>
+        </p:nvSpPr>
+        <p:spPr/>
+        <p:txBody>
+          <a:bodyPr/>
+          <a:lstStyle/>
+          <a:p>
+            <a:r>
+              <a:rPr lang="pt-BR" dirty="0" smtClean="0"/>
+              <a:t>Agregar outros parâmetros para construção do perfil, como atores, diretor, premiações</a:t>
+            </a:r>
+          </a:p>
+          <a:p>
+            <a:r>
+              <a:rPr lang="pt-BR" dirty="0" smtClean="0"/>
+              <a:t>Interface gráfica para interação com usuário</a:t>
+            </a:r>
+          </a:p>
+          <a:p>
+            <a:r>
+              <a:rPr lang="pt-BR" dirty="0" smtClean="0"/>
+              <a:t>Armazenamento do mapa</a:t>
+            </a:r>
+          </a:p>
+          <a:p>
+            <a:r>
+              <a:rPr lang="pt-BR" dirty="0" smtClean="0"/>
+              <a:t>Atualização dinâmica do mapa</a:t>
+            </a:r>
+            <a:endParaRPr lang="pt-BR" dirty="0"/>
+          </a:p>
+        </p:txBody>
+      </p:sp>
+    </p:spTree>
+  </p:cSld>
+  <p:clrMapOvr>
+    <a:masterClrMapping/>
+  </p:clrMapOvr>
+</p:sld>
+</file>
+
+<file path=ppt/slides/slide31.xml><?xml version="1.0" encoding="utf-8"?>
+<p:sld xmlns:a="http://schemas.openxmlformats.org/drawingml/2006/main" xmlns:r="http://schemas.openxmlformats.org/officeDocument/2006/relationships" xmlns:p="http://schemas.openxmlformats.org/presentationml/2006/main">
+  <p:cSld>
+    <p:spTree>
+      <p:nvGrpSpPr>
+        <p:cNvPr id="1" name=""/>
+        <p:cNvGrpSpPr/>
+        <p:nvPr/>
+      </p:nvGrpSpPr>
+      <p:grpSpPr>
+        <a:xfrm>
+          <a:off x="0" y="0"/>
+          <a:ext cx="0" cy="0"/>
+          <a:chOff x="0" y="0"/>
+          <a:chExt cx="0" cy="0"/>
+        </a:xfrm>
+      </p:grpSpPr>
+      <p:sp>
+        <p:nvSpPr>
+          <p:cNvPr id="2" name="Título 1"/>
+          <p:cNvSpPr>
+            <a:spLocks noGrp="1"/>
+          </p:cNvSpPr>
+          <p:nvPr>
+            <p:ph type="ctrTitle"/>
+          </p:nvPr>
+        </p:nvSpPr>
+        <p:spPr/>
+        <p:txBody>
+          <a:bodyPr>
+            <a:normAutofit fontScale="90000"/>
+          </a:bodyPr>
+          <a:lstStyle/>
+          <a:p>
+            <a:r>
+              <a:rPr lang="pt-BR" dirty="0" smtClean="0"/>
+              <a:t>Sistema de recomendação para clientes de vídeo locadoras baseado em redes SOM</a:t>
+            </a:r>
+            <a:endParaRPr lang="pt-BR" dirty="0"/>
+          </a:p>
+        </p:txBody>
+      </p:sp>
+      <p:sp>
+        <p:nvSpPr>
+          <p:cNvPr id="3" name="Subtítulo 2"/>
+          <p:cNvSpPr>
+            <a:spLocks noGrp="1"/>
+          </p:cNvSpPr>
+          <p:nvPr>
+            <p:ph type="subTitle" idx="1"/>
+          </p:nvPr>
+        </p:nvSpPr>
+        <p:spPr/>
+        <p:txBody>
+          <a:bodyPr/>
+          <a:lstStyle/>
+          <a:p>
+            <a:pPr algn="l"/>
+            <a:r>
+              <a:rPr lang="pt-BR" dirty="0" smtClean="0"/>
+              <a:t>Anderson Berg</a:t>
+            </a:r>
+          </a:p>
+          <a:p>
+            <a:pPr algn="l"/>
+            <a:r>
+              <a:rPr lang="pt-BR" dirty="0" smtClean="0"/>
+              <a:t>Orientador: Prof. Fernando Buarque</a:t>
+            </a:r>
+            <a:endParaRPr lang="pt-BR" dirty="0"/>
+          </a:p>
+        </p:txBody>
+      </p:sp>
+      <p:pic>
+        <p:nvPicPr>
+          <p:cNvPr id="4" name="Imagem 3" descr="marca_dsc.png"/>
+          <p:cNvPicPr>
+            <a:picLocks noChangeAspect="1"/>
+          </p:cNvPicPr>
+          <p:nvPr/>
+        </p:nvPicPr>
+        <p:blipFill>
+          <a:blip r:embed="rId3" cstate="print"/>
+          <a:stretch>
+            <a:fillRect/>
+          </a:stretch>
+        </p:blipFill>
+        <p:spPr>
+          <a:xfrm>
+            <a:off x="375053" y="6077063"/>
+            <a:ext cx="2339559" cy="500066"/>
+          </a:xfrm>
+          <a:prstGeom prst="rect">
+            <a:avLst/>
+          </a:prstGeom>
+        </p:spPr>
+      </p:pic>
+      <p:pic>
+        <p:nvPicPr>
+          <p:cNvPr id="6" name="Imagem 5" descr="logo_upe.png"/>
+          <p:cNvPicPr>
+            <a:picLocks noChangeAspect="1"/>
+          </p:cNvPicPr>
+          <p:nvPr/>
+        </p:nvPicPr>
+        <p:blipFill>
+          <a:blip r:embed="rId4" cstate="print"/>
+          <a:stretch>
+            <a:fillRect/>
+          </a:stretch>
+        </p:blipFill>
+        <p:spPr>
+          <a:xfrm>
+            <a:off x="4214810" y="5993821"/>
+            <a:ext cx="904998" cy="583308"/>
+          </a:xfrm>
+          <a:prstGeom prst="rect">
+            <a:avLst/>
+          </a:prstGeom>
+        </p:spPr>
+      </p:pic>
+      <p:pic>
+        <p:nvPicPr>
+          <p:cNvPr id="7" name="Imagem 6" descr="logo_poli.png"/>
+          <p:cNvPicPr>
+            <a:picLocks noChangeAspect="1"/>
+          </p:cNvPicPr>
+          <p:nvPr/>
+        </p:nvPicPr>
+        <p:blipFill>
+          <a:blip r:embed="rId5" cstate="print"/>
+          <a:stretch>
+            <a:fillRect/>
+          </a:stretch>
+        </p:blipFill>
+        <p:spPr>
+          <a:xfrm>
+            <a:off x="7286644" y="5936277"/>
+            <a:ext cx="1142640" cy="640852"/>
+          </a:xfrm>
+          <a:prstGeom prst="rect">
+            <a:avLst/>
+          </a:prstGeom>
+        </p:spPr>
+      </p:pic>
+    </p:spTree>
+  </p:cSld>
+  <p:clrMapOvr>
+    <a:masterClrMapping/>
+  </p:clrMapOvr>
+</p:sld>
+</file>
+
 <file path=ppt/slides/slide4.xml><?xml version="1.0" encoding="utf-8"?>
 <p:sld xmlns:a="http://schemas.openxmlformats.org/drawingml/2006/main" xmlns:r="http://schemas.openxmlformats.org/officeDocument/2006/relationships" xmlns:p="http://schemas.openxmlformats.org/presentationml/2006/main">
   <p:cSld>
@@ -4121,7 +6249,11 @@
           <a:bodyPr/>
           <a:lstStyle/>
           <a:p>
-            <a:endParaRPr lang="pt-BR"/>
+            <a:r>
+              <a:rPr lang="pt-BR" dirty="0" smtClean="0"/>
+              <a:t>Sistemas de recomendação</a:t>
+            </a:r>
+            <a:endParaRPr lang="pt-BR" dirty="0"/>
           </a:p>
         </p:txBody>
       </p:sp>
@@ -4140,7 +6272,290 @@
           <a:bodyPr/>
           <a:lstStyle/>
           <a:p>
-            <a:endParaRPr lang="pt-BR"/>
+            <a:r>
+              <a:rPr lang="pt-BR" dirty="0" smtClean="0"/>
+              <a:t>Desenhado para resolver o problema da sobrecarga de informação</a:t>
+            </a:r>
+          </a:p>
+          <a:p>
+            <a:r>
+              <a:rPr lang="pt-BR" dirty="0" smtClean="0"/>
+              <a:t>Nasceu da necessidade de filtrar ou recuperar informação</a:t>
+            </a:r>
+          </a:p>
+          <a:p>
+            <a:r>
+              <a:rPr lang="pt-BR" dirty="0" smtClean="0"/>
+              <a:t>Largamente utilizado por comércio eletrônico</a:t>
+            </a:r>
+          </a:p>
+          <a:p>
+            <a:r>
+              <a:rPr lang="pt-BR" dirty="0" smtClean="0"/>
+              <a:t>Marketing direto</a:t>
+            </a:r>
+            <a:endParaRPr lang="pt-BR" dirty="0"/>
+          </a:p>
+        </p:txBody>
+      </p:sp>
+    </p:spTree>
+  </p:cSld>
+  <p:clrMapOvr>
+    <a:masterClrMapping/>
+  </p:clrMapOvr>
+</p:sld>
+</file>
+
+<file path=ppt/slides/slide7.xml><?xml version="1.0" encoding="utf-8"?>
+<p:sld xmlns:a="http://schemas.openxmlformats.org/drawingml/2006/main" xmlns:r="http://schemas.openxmlformats.org/officeDocument/2006/relationships" xmlns:p="http://schemas.openxmlformats.org/presentationml/2006/main">
+  <p:cSld>
+    <p:spTree>
+      <p:nvGrpSpPr>
+        <p:cNvPr id="1" name=""/>
+        <p:cNvGrpSpPr/>
+        <p:nvPr/>
+      </p:nvGrpSpPr>
+      <p:grpSpPr>
+        <a:xfrm>
+          <a:off x="0" y="0"/>
+          <a:ext cx="0" cy="0"/>
+          <a:chOff x="0" y="0"/>
+          <a:chExt cx="0" cy="0"/>
+        </a:xfrm>
+      </p:grpSpPr>
+      <p:sp>
+        <p:nvSpPr>
+          <p:cNvPr id="2" name="Título 1"/>
+          <p:cNvSpPr>
+            <a:spLocks noGrp="1"/>
+          </p:cNvSpPr>
+          <p:nvPr>
+            <p:ph type="title"/>
+          </p:nvPr>
+        </p:nvSpPr>
+        <p:spPr/>
+        <p:txBody>
+          <a:bodyPr/>
+          <a:lstStyle/>
+          <a:p>
+            <a:r>
+              <a:rPr lang="pt-BR" dirty="0" smtClean="0"/>
+              <a:t>Estratégias</a:t>
+            </a:r>
+            <a:endParaRPr lang="pt-BR" dirty="0"/>
+          </a:p>
+        </p:txBody>
+      </p:sp>
+      <p:sp>
+        <p:nvSpPr>
+          <p:cNvPr id="3" name="Espaço Reservado para Conteúdo 2"/>
+          <p:cNvSpPr>
+            <a:spLocks noGrp="1"/>
+          </p:cNvSpPr>
+          <p:nvPr>
+            <p:ph idx="1"/>
+          </p:nvPr>
+        </p:nvSpPr>
+        <p:spPr/>
+        <p:txBody>
+          <a:bodyPr/>
+          <a:lstStyle/>
+          <a:p>
+            <a:r>
+              <a:rPr lang="pt-BR" dirty="0" smtClean="0"/>
+              <a:t>Listas de recomendação</a:t>
+            </a:r>
+          </a:p>
+          <a:p>
+            <a:r>
+              <a:rPr lang="pt-BR" dirty="0" smtClean="0"/>
+              <a:t>Avaliação de usuários</a:t>
+            </a:r>
+          </a:p>
+          <a:p>
+            <a:r>
+              <a:rPr lang="pt-BR" dirty="0" smtClean="0"/>
+              <a:t>Suas recomendações</a:t>
+            </a:r>
+          </a:p>
+          <a:p>
+            <a:r>
+              <a:rPr lang="pt-BR" dirty="0" smtClean="0"/>
+              <a:t>Clientes que adquiriram X também compraram Y</a:t>
+            </a:r>
+          </a:p>
+          <a:p>
+            <a:r>
+              <a:rPr lang="pt-BR" dirty="0" smtClean="0"/>
+              <a:t>Associação por conteúdo</a:t>
+            </a:r>
+            <a:endParaRPr lang="pt-BR" dirty="0"/>
+          </a:p>
+        </p:txBody>
+      </p:sp>
+    </p:spTree>
+  </p:cSld>
+  <p:clrMapOvr>
+    <a:masterClrMapping/>
+  </p:clrMapOvr>
+</p:sld>
+</file>
+
+<file path=ppt/slides/slide8.xml><?xml version="1.0" encoding="utf-8"?>
+<p:sld xmlns:a="http://schemas.openxmlformats.org/drawingml/2006/main" xmlns:r="http://schemas.openxmlformats.org/officeDocument/2006/relationships" xmlns:p="http://schemas.openxmlformats.org/presentationml/2006/main">
+  <p:cSld>
+    <p:spTree>
+      <p:nvGrpSpPr>
+        <p:cNvPr id="1" name=""/>
+        <p:cNvGrpSpPr/>
+        <p:nvPr/>
+      </p:nvGrpSpPr>
+      <p:grpSpPr>
+        <a:xfrm>
+          <a:off x="0" y="0"/>
+          <a:ext cx="0" cy="0"/>
+          <a:chOff x="0" y="0"/>
+          <a:chExt cx="0" cy="0"/>
+        </a:xfrm>
+      </p:grpSpPr>
+      <p:sp>
+        <p:nvSpPr>
+          <p:cNvPr id="2" name="Título 1"/>
+          <p:cNvSpPr>
+            <a:spLocks noGrp="1"/>
+          </p:cNvSpPr>
+          <p:nvPr>
+            <p:ph type="title"/>
+          </p:nvPr>
+        </p:nvSpPr>
+        <p:spPr/>
+        <p:txBody>
+          <a:bodyPr/>
+          <a:lstStyle/>
+          <a:p>
+            <a:r>
+              <a:rPr lang="pt-BR" dirty="0" smtClean="0"/>
+              <a:t>Técnicas de filtragem</a:t>
+            </a:r>
+            <a:endParaRPr lang="pt-BR" dirty="0"/>
+          </a:p>
+        </p:txBody>
+      </p:sp>
+      <p:sp>
+        <p:nvSpPr>
+          <p:cNvPr id="3" name="Espaço Reservado para Conteúdo 2"/>
+          <p:cNvSpPr>
+            <a:spLocks noGrp="1"/>
+          </p:cNvSpPr>
+          <p:nvPr>
+            <p:ph idx="1"/>
+          </p:nvPr>
+        </p:nvSpPr>
+        <p:spPr/>
+        <p:txBody>
+          <a:bodyPr/>
+          <a:lstStyle/>
+          <a:p>
+            <a:r>
+              <a:rPr lang="pt-BR" dirty="0" smtClean="0"/>
+              <a:t>Baseada em conteúdo</a:t>
+            </a:r>
+          </a:p>
+          <a:p>
+            <a:r>
+              <a:rPr lang="pt-BR" dirty="0" smtClean="0"/>
+              <a:t>Colaborativa</a:t>
+            </a:r>
+          </a:p>
+          <a:p>
+            <a:r>
+              <a:rPr lang="pt-BR" dirty="0" smtClean="0"/>
+              <a:t>Híbrida</a:t>
+            </a:r>
+            <a:endParaRPr lang="pt-BR" dirty="0"/>
+          </a:p>
+        </p:txBody>
+      </p:sp>
+    </p:spTree>
+  </p:cSld>
+  <p:clrMapOvr>
+    <a:masterClrMapping/>
+  </p:clrMapOvr>
+</p:sld>
+</file>
+
+<file path=ppt/slides/slide9.xml><?xml version="1.0" encoding="utf-8"?>
+<p:sld xmlns:a="http://schemas.openxmlformats.org/drawingml/2006/main" xmlns:r="http://schemas.openxmlformats.org/officeDocument/2006/relationships" xmlns:p="http://schemas.openxmlformats.org/presentationml/2006/main">
+  <p:cSld>
+    <p:spTree>
+      <p:nvGrpSpPr>
+        <p:cNvPr id="1" name=""/>
+        <p:cNvGrpSpPr/>
+        <p:nvPr/>
+      </p:nvGrpSpPr>
+      <p:grpSpPr>
+        <a:xfrm>
+          <a:off x="0" y="0"/>
+          <a:ext cx="0" cy="0"/>
+          <a:chOff x="0" y="0"/>
+          <a:chExt cx="0" cy="0"/>
+        </a:xfrm>
+      </p:grpSpPr>
+      <p:sp>
+        <p:nvSpPr>
+          <p:cNvPr id="2" name="Título 1"/>
+          <p:cNvSpPr>
+            <a:spLocks noGrp="1"/>
+          </p:cNvSpPr>
+          <p:nvPr>
+            <p:ph type="title"/>
+          </p:nvPr>
+        </p:nvSpPr>
+        <p:spPr/>
+        <p:txBody>
+          <a:bodyPr/>
+          <a:lstStyle/>
+          <a:p>
+            <a:r>
+              <a:rPr lang="pt-BR" dirty="0" smtClean="0"/>
+              <a:t>Filtragem baseada em conteúdo</a:t>
+            </a:r>
+            <a:endParaRPr lang="pt-BR" dirty="0"/>
+          </a:p>
+        </p:txBody>
+      </p:sp>
+      <p:sp>
+        <p:nvSpPr>
+          <p:cNvPr id="3" name="Espaço Reservado para Conteúdo 2"/>
+          <p:cNvSpPr>
+            <a:spLocks noGrp="1"/>
+          </p:cNvSpPr>
+          <p:nvPr>
+            <p:ph idx="1"/>
+          </p:nvPr>
+        </p:nvSpPr>
+        <p:spPr/>
+        <p:txBody>
+          <a:bodyPr/>
+          <a:lstStyle/>
+          <a:p>
+            <a:r>
+              <a:rPr lang="pt-BR" dirty="0" smtClean="0"/>
+              <a:t>Raízes no processo de recuperação de informação</a:t>
+            </a:r>
+          </a:p>
+          <a:p>
+            <a:r>
+              <a:rPr lang="pt-BR" dirty="0" smtClean="0"/>
+              <a:t>Baseadas no perfil do usuário previamente construído</a:t>
+            </a:r>
+          </a:p>
+          <a:p>
+            <a:r>
+              <a:rPr lang="pt-BR" dirty="0" smtClean="0"/>
+              <a:t>O perfil é conhecido através do conteúdo dos itens investigados</a:t>
+            </a:r>
+            <a:endParaRPr lang="pt-BR" dirty="0"/>
           </a:p>
         </p:txBody>
       </p:sp>

--- a/Apresentação/TCC_AndersonBerg_Apresentação.pptx
+++ b/Apresentação/TCC_AndersonBerg_Apresentação.pptx
@@ -5,40 +5,39 @@
     <p:sldMasterId id="2147483648" r:id="rId1"/>
   </p:sldMasterIdLst>
   <p:notesMasterIdLst>
-    <p:notesMasterId r:id="rId33"/>
+    <p:notesMasterId r:id="rId32"/>
   </p:notesMasterIdLst>
   <p:sldIdLst>
     <p:sldId id="256" r:id="rId2"/>
-    <p:sldId id="257" r:id="rId3"/>
-    <p:sldId id="258" r:id="rId4"/>
-    <p:sldId id="259" r:id="rId5"/>
-    <p:sldId id="260" r:id="rId6"/>
-    <p:sldId id="261" r:id="rId7"/>
-    <p:sldId id="262" r:id="rId8"/>
-    <p:sldId id="263" r:id="rId9"/>
-    <p:sldId id="264" r:id="rId10"/>
-    <p:sldId id="265" r:id="rId11"/>
-    <p:sldId id="266" r:id="rId12"/>
-    <p:sldId id="267" r:id="rId13"/>
-    <p:sldId id="268" r:id="rId14"/>
-    <p:sldId id="269" r:id="rId15"/>
-    <p:sldId id="270" r:id="rId16"/>
-    <p:sldId id="271" r:id="rId17"/>
-    <p:sldId id="272" r:id="rId18"/>
-    <p:sldId id="273" r:id="rId19"/>
-    <p:sldId id="274" r:id="rId20"/>
-    <p:sldId id="275" r:id="rId21"/>
-    <p:sldId id="278" r:id="rId22"/>
-    <p:sldId id="277" r:id="rId23"/>
-    <p:sldId id="276" r:id="rId24"/>
-    <p:sldId id="279" r:id="rId25"/>
-    <p:sldId id="280" r:id="rId26"/>
-    <p:sldId id="281" r:id="rId27"/>
-    <p:sldId id="282" r:id="rId28"/>
-    <p:sldId id="283" r:id="rId29"/>
-    <p:sldId id="284" r:id="rId30"/>
-    <p:sldId id="285" r:id="rId31"/>
-    <p:sldId id="286" r:id="rId32"/>
+    <p:sldId id="258" r:id="rId3"/>
+    <p:sldId id="259" r:id="rId4"/>
+    <p:sldId id="260" r:id="rId5"/>
+    <p:sldId id="261" r:id="rId6"/>
+    <p:sldId id="262" r:id="rId7"/>
+    <p:sldId id="263" r:id="rId8"/>
+    <p:sldId id="264" r:id="rId9"/>
+    <p:sldId id="265" r:id="rId10"/>
+    <p:sldId id="266" r:id="rId11"/>
+    <p:sldId id="267" r:id="rId12"/>
+    <p:sldId id="268" r:id="rId13"/>
+    <p:sldId id="269" r:id="rId14"/>
+    <p:sldId id="270" r:id="rId15"/>
+    <p:sldId id="271" r:id="rId16"/>
+    <p:sldId id="272" r:id="rId17"/>
+    <p:sldId id="273" r:id="rId18"/>
+    <p:sldId id="274" r:id="rId19"/>
+    <p:sldId id="275" r:id="rId20"/>
+    <p:sldId id="278" r:id="rId21"/>
+    <p:sldId id="277" r:id="rId22"/>
+    <p:sldId id="276" r:id="rId23"/>
+    <p:sldId id="279" r:id="rId24"/>
+    <p:sldId id="280" r:id="rId25"/>
+    <p:sldId id="281" r:id="rId26"/>
+    <p:sldId id="282" r:id="rId27"/>
+    <p:sldId id="283" r:id="rId28"/>
+    <p:sldId id="284" r:id="rId29"/>
+    <p:sldId id="285" r:id="rId30"/>
+    <p:sldId id="286" r:id="rId31"/>
   </p:sldIdLst>
   <p:sldSz cx="9144000" cy="6858000" type="screen4x3"/>
   <p:notesSz cx="6858000" cy="9144000"/>
@@ -639,7 +638,7 @@
             <a:fld id="{C82B9437-F8B4-4408-9752-528278BC7DC3}" type="slidenum">
               <a:rPr lang="pt-BR" smtClean="0"/>
               <a:pPr/>
-              <a:t>31</a:t>
+              <a:t>30</a:t>
             </a:fld>
             <a:endParaRPr lang="pt-BR"/>
           </a:p>
@@ -3801,19 +3800,19 @@
             </a:pPr>
             <a:r>
               <a:rPr lang="pt-BR" dirty="0" smtClean="0"/>
-              <a:t>Vantagens:</a:t>
-            </a:r>
-          </a:p>
-          <a:p>
-            <a:r>
-              <a:rPr lang="pt-BR" dirty="0" smtClean="0"/>
-              <a:t>Não são necessárias qualificações</a:t>
-            </a:r>
-          </a:p>
-          <a:p>
-            <a:r>
-              <a:rPr lang="pt-BR" dirty="0" smtClean="0"/>
-              <a:t>Se baseia apenas no conteúdo de itens, portanto não se restringe a itens já avaliados</a:t>
+              <a:t>Desvantagens:</a:t>
+            </a:r>
+          </a:p>
+          <a:p>
+            <a:r>
+              <a:rPr lang="pt-BR" dirty="0" smtClean="0"/>
+              <a:t>Só avalia textos, não sendo possível avaliar qualidade do texto ou de autores dos textos</a:t>
+            </a:r>
+          </a:p>
+          <a:p>
+            <a:r>
+              <a:rPr lang="pt-BR" dirty="0" err="1" smtClean="0"/>
+              <a:t>Superespecialização</a:t>
             </a:r>
             <a:endParaRPr lang="pt-BR" dirty="0"/>
           </a:p>
@@ -3861,7 +3860,7 @@
           <a:p>
             <a:r>
               <a:rPr lang="pt-BR" dirty="0" smtClean="0"/>
-              <a:t>Filtragem baseada em conteúdo</a:t>
+              <a:t>Filtragem colaborativa</a:t>
             </a:r>
             <a:endParaRPr lang="pt-BR" dirty="0"/>
           </a:p>
@@ -3882,24 +3881,21 @@
           <a:bodyPr/>
           <a:lstStyle/>
           <a:p>
-            <a:pPr>
-              <a:buNone/>
-            </a:pPr>
-            <a:r>
-              <a:rPr lang="pt-BR" dirty="0" smtClean="0"/>
-              <a:t>Desvantagens:</a:t>
-            </a:r>
-          </a:p>
-          <a:p>
-            <a:r>
-              <a:rPr lang="pt-BR" dirty="0" smtClean="0"/>
-              <a:t>Só avalia textos, não sendo possível avaliar qualidade do texto ou de autores dos textos</a:t>
-            </a:r>
-          </a:p>
-          <a:p>
-            <a:r>
-              <a:rPr lang="pt-BR" dirty="0" err="1" smtClean="0"/>
-              <a:t>Superespecialização</a:t>
+            <a:r>
+              <a:rPr lang="pt-BR" dirty="0" smtClean="0"/>
+              <a:t>Mais comum</a:t>
+            </a:r>
+          </a:p>
+          <a:p>
+            <a:r>
+              <a:rPr lang="pt-BR" dirty="0" smtClean="0"/>
+              <a:t>Similaridade entre usuários</a:t>
+            </a:r>
+          </a:p>
+          <a:p>
+            <a:r>
+              <a:rPr lang="pt-BR" dirty="0" smtClean="0"/>
+              <a:t>Avaliações de itens</a:t>
             </a:r>
             <a:endParaRPr lang="pt-BR" dirty="0"/>
           </a:p>
@@ -3968,21 +3964,24 @@
           <a:bodyPr/>
           <a:lstStyle/>
           <a:p>
-            <a:r>
-              <a:rPr lang="pt-BR" dirty="0" smtClean="0"/>
-              <a:t>Mais comum</a:t>
-            </a:r>
-          </a:p>
-          <a:p>
-            <a:r>
-              <a:rPr lang="pt-BR" dirty="0" smtClean="0"/>
-              <a:t>Similaridade entre usuários</a:t>
-            </a:r>
-          </a:p>
-          <a:p>
-            <a:r>
-              <a:rPr lang="pt-BR" dirty="0" smtClean="0"/>
-              <a:t>Avaliações de itens</a:t>
+            <a:pPr>
+              <a:buNone/>
+            </a:pPr>
+            <a:r>
+              <a:rPr lang="pt-BR" dirty="0" smtClean="0"/>
+              <a:t>Vantagens:</a:t>
+            </a:r>
+          </a:p>
+          <a:p>
+            <a:r>
+              <a:rPr lang="pt-BR" dirty="0" smtClean="0"/>
+              <a:t>É possível avaliar qualidade de textos</a:t>
+            </a:r>
+          </a:p>
+          <a:p>
+            <a:r>
+              <a:rPr lang="pt-BR" dirty="0" smtClean="0"/>
+              <a:t>Melhor qualidade de recomendações</a:t>
             </a:r>
             <a:endParaRPr lang="pt-BR" dirty="0"/>
           </a:p>
@@ -4056,19 +4055,19 @@
             </a:pPr>
             <a:r>
               <a:rPr lang="pt-BR" dirty="0" smtClean="0"/>
-              <a:t>Vantagens:</a:t>
-            </a:r>
-          </a:p>
-          <a:p>
-            <a:r>
-              <a:rPr lang="pt-BR" dirty="0" smtClean="0"/>
-              <a:t>É possível avaliar qualidade de textos</a:t>
-            </a:r>
-          </a:p>
-          <a:p>
-            <a:r>
-              <a:rPr lang="pt-BR" dirty="0" smtClean="0"/>
-              <a:t>Melhor qualidade de recomendações</a:t>
+              <a:t>Desvantagens</a:t>
+            </a:r>
+          </a:p>
+          <a:p>
+            <a:r>
+              <a:rPr lang="pt-BR" dirty="0" smtClean="0"/>
+              <a:t>Problema do novo item: é preciso algum usuário avaliar para este item ser recomendado</a:t>
+            </a:r>
+          </a:p>
+          <a:p>
+            <a:r>
+              <a:rPr lang="pt-BR" dirty="0" smtClean="0"/>
+              <a:t>Usuários ovelhas-negras, não há usuários semelhantes a estes no sistema</a:t>
             </a:r>
             <a:endParaRPr lang="pt-BR" dirty="0"/>
           </a:p>
@@ -4116,7 +4115,7 @@
           <a:p>
             <a:r>
               <a:rPr lang="pt-BR" dirty="0" smtClean="0"/>
-              <a:t>Filtragem colaborativa</a:t>
+              <a:t>Filtragem híbrida</a:t>
             </a:r>
             <a:endParaRPr lang="pt-BR" dirty="0"/>
           </a:p>
@@ -4137,24 +4136,21 @@
           <a:bodyPr/>
           <a:lstStyle/>
           <a:p>
-            <a:pPr>
-              <a:buNone/>
-            </a:pPr>
-            <a:r>
-              <a:rPr lang="pt-BR" dirty="0" smtClean="0"/>
-              <a:t>Desvantagens</a:t>
-            </a:r>
-          </a:p>
-          <a:p>
-            <a:r>
-              <a:rPr lang="pt-BR" dirty="0" smtClean="0"/>
-              <a:t>Problema do novo item: é preciso algum usuário avaliar para este item ser recomendado</a:t>
-            </a:r>
-          </a:p>
-          <a:p>
-            <a:r>
-              <a:rPr lang="pt-BR" dirty="0" smtClean="0"/>
-              <a:t>Usuários ovelhas-negras, não há usuários semelhantes a estes no sistema</a:t>
+            <a:r>
+              <a:rPr lang="pt-BR" dirty="0" smtClean="0"/>
+              <a:t>Associar duas ou mais técnicas</a:t>
+            </a:r>
+          </a:p>
+          <a:p>
+            <a:r>
+              <a:rPr lang="pt-BR" dirty="0" smtClean="0"/>
+              <a:t>Filtragem baseada em conteúdo e colaborativa são complementares</a:t>
+            </a:r>
+          </a:p>
+          <a:p>
+            <a:r>
+              <a:rPr lang="pt-BR" dirty="0" smtClean="0"/>
+              <a:t>(Colocar tabela aqui)</a:t>
             </a:r>
             <a:endParaRPr lang="pt-BR" dirty="0"/>
           </a:p>
@@ -4202,7 +4198,7 @@
           <a:p>
             <a:r>
               <a:rPr lang="pt-BR" dirty="0" smtClean="0"/>
-              <a:t>Filtragem híbrida</a:t>
+              <a:t>Mapas auto-organizáveis</a:t>
             </a:r>
             <a:endParaRPr lang="pt-BR" dirty="0"/>
           </a:p>
@@ -4225,19 +4221,54 @@
           <a:p>
             <a:r>
               <a:rPr lang="pt-BR" dirty="0" smtClean="0"/>
-              <a:t>Associar duas ou mais técnicas</a:t>
-            </a:r>
-          </a:p>
-          <a:p>
-            <a:r>
-              <a:rPr lang="pt-BR" dirty="0" smtClean="0"/>
-              <a:t>Filtragem baseada em conteúdo e colaborativa são complementares</a:t>
-            </a:r>
-          </a:p>
-          <a:p>
-            <a:r>
-              <a:rPr lang="pt-BR" dirty="0" smtClean="0"/>
-              <a:t>(Colocar tabela aqui)</a:t>
+              <a:t>Aprendizado não-supervisionado</a:t>
+            </a:r>
+          </a:p>
+          <a:p>
+            <a:r>
+              <a:rPr lang="pt-BR" dirty="0" smtClean="0"/>
+              <a:t>Primeiramente propostos por </a:t>
+            </a:r>
+            <a:r>
+              <a:rPr lang="pt-BR" dirty="0" err="1" smtClean="0"/>
+              <a:t>Teuvo</a:t>
+            </a:r>
+            <a:r>
+              <a:rPr lang="pt-BR" dirty="0" smtClean="0"/>
+              <a:t> </a:t>
+            </a:r>
+            <a:r>
+              <a:rPr lang="pt-BR" dirty="0" err="1" smtClean="0"/>
+              <a:t>Kohonen</a:t>
+            </a:r>
+            <a:endParaRPr lang="pt-BR" dirty="0" smtClean="0"/>
+          </a:p>
+          <a:p>
+            <a:r>
+              <a:rPr lang="pt-BR" dirty="0" smtClean="0"/>
+              <a:t>Formado por uma camada de entrada e uma de saída, geralmente uma grade bidimensional</a:t>
+            </a:r>
+          </a:p>
+          <a:p>
+            <a:r>
+              <a:rPr lang="pt-BR" dirty="0" smtClean="0"/>
+              <a:t>Redes SOM (</a:t>
+            </a:r>
+            <a:r>
+              <a:rPr lang="pt-BR" dirty="0" err="1" smtClean="0"/>
+              <a:t>Self-organizing</a:t>
+            </a:r>
+            <a:r>
+              <a:rPr lang="pt-BR" dirty="0" smtClean="0"/>
+              <a:t> </a:t>
+            </a:r>
+            <a:r>
+              <a:rPr lang="pt-BR" dirty="0" err="1" smtClean="0"/>
+              <a:t>maps</a:t>
+            </a:r>
+            <a:r>
+              <a:rPr lang="pt-BR" dirty="0" smtClean="0"/>
+              <a:t>)</a:t>
             </a:r>
             <a:endParaRPr lang="pt-BR" dirty="0"/>
           </a:p>
@@ -4308,56 +4339,29 @@
           <a:p>
             <a:r>
               <a:rPr lang="pt-BR" dirty="0" smtClean="0"/>
-              <a:t>Aprendizado não-supervisionado</a:t>
-            </a:r>
-          </a:p>
-          <a:p>
-            <a:r>
-              <a:rPr lang="pt-BR" dirty="0" smtClean="0"/>
-              <a:t>Primeiramente propostos por </a:t>
-            </a:r>
-            <a:r>
-              <a:rPr lang="pt-BR" dirty="0" err="1" smtClean="0"/>
-              <a:t>Teuvo</a:t>
-            </a:r>
-            <a:r>
-              <a:rPr lang="pt-BR" dirty="0" smtClean="0"/>
-              <a:t> </a:t>
-            </a:r>
-            <a:r>
-              <a:rPr lang="pt-BR" dirty="0" err="1" smtClean="0"/>
-              <a:t>Kohonen</a:t>
-            </a:r>
+              <a:t>Inspiração no cérebro de animais  mais desenvolvidos</a:t>
+            </a:r>
+          </a:p>
+          <a:p>
+            <a:r>
+              <a:rPr lang="pt-BR" dirty="0" smtClean="0"/>
+              <a:t>Córtex do cérebro é topologicamente organizado por funções específicas</a:t>
+            </a:r>
+          </a:p>
+          <a:p>
+            <a:r>
+              <a:rPr lang="pt-BR" dirty="0" smtClean="0"/>
+              <a:t>Feedback lateral</a:t>
+            </a:r>
+          </a:p>
+          <a:p>
+            <a:r>
+              <a:rPr lang="pt-BR" dirty="0" smtClean="0"/>
+              <a:t>(Imagem do cérebro)</a:t>
+            </a:r>
+          </a:p>
+          <a:p>
             <a:endParaRPr lang="pt-BR" dirty="0" smtClean="0"/>
-          </a:p>
-          <a:p>
-            <a:r>
-              <a:rPr lang="pt-BR" dirty="0" smtClean="0"/>
-              <a:t>Formado por uma camada de entrada e uma de saída, geralmente uma grade bidimensional</a:t>
-            </a:r>
-          </a:p>
-          <a:p>
-            <a:r>
-              <a:rPr lang="pt-BR" dirty="0" smtClean="0"/>
-              <a:t>Redes SOM (</a:t>
-            </a:r>
-            <a:r>
-              <a:rPr lang="pt-BR" dirty="0" err="1" smtClean="0"/>
-              <a:t>Self-organizing</a:t>
-            </a:r>
-            <a:r>
-              <a:rPr lang="pt-BR" dirty="0" smtClean="0"/>
-              <a:t> </a:t>
-            </a:r>
-            <a:r>
-              <a:rPr lang="pt-BR" dirty="0" err="1" smtClean="0"/>
-              <a:t>maps</a:t>
-            </a:r>
-            <a:r>
-              <a:rPr lang="pt-BR" dirty="0" smtClean="0"/>
-              <a:t>)</a:t>
-            </a:r>
-            <a:endParaRPr lang="pt-BR" dirty="0"/>
           </a:p>
         </p:txBody>
       </p:sp>
@@ -4403,7 +4407,7 @@
           <a:p>
             <a:r>
               <a:rPr lang="pt-BR" dirty="0" smtClean="0"/>
-              <a:t>Mapas auto-organizáveis</a:t>
+              <a:t>Arquitetura das redes SOM </a:t>
             </a:r>
             <a:endParaRPr lang="pt-BR" dirty="0"/>
           </a:p>
@@ -4421,34 +4425,52 @@
         </p:nvSpPr>
         <p:spPr/>
         <p:txBody>
-          <a:bodyPr/>
-          <a:lstStyle/>
-          <a:p>
-            <a:r>
-              <a:rPr lang="pt-BR" dirty="0" smtClean="0"/>
-              <a:t>Inspiração no cérebro de animais  mais desenvolvidos</a:t>
-            </a:r>
-          </a:p>
-          <a:p>
-            <a:r>
-              <a:rPr lang="pt-BR" dirty="0" smtClean="0"/>
-              <a:t>Córtex do cérebro é topologicamente organizado por funções específicas</a:t>
-            </a:r>
-          </a:p>
-          <a:p>
-            <a:r>
-              <a:rPr lang="pt-BR" dirty="0" smtClean="0"/>
-              <a:t>Feedback lateral</a:t>
-            </a:r>
-          </a:p>
-          <a:p>
-            <a:r>
-              <a:rPr lang="pt-BR" dirty="0" smtClean="0"/>
-              <a:t>(Imagem do cérebro)</a:t>
-            </a:r>
-          </a:p>
-          <a:p>
-            <a:endParaRPr lang="pt-BR" dirty="0" smtClean="0"/>
+          <a:bodyPr>
+            <a:normAutofit lnSpcReduction="10000"/>
+          </a:bodyPr>
+          <a:lstStyle/>
+          <a:p>
+            <a:r>
+              <a:rPr lang="pt-BR" dirty="0" smtClean="0"/>
+              <a:t>Grade bidimensional</a:t>
+            </a:r>
+          </a:p>
+          <a:p>
+            <a:r>
+              <a:rPr lang="pt-BR" dirty="0" smtClean="0"/>
+              <a:t>Formado por neurônios da camada de saída</a:t>
+            </a:r>
+          </a:p>
+          <a:p>
+            <a:r>
+              <a:rPr lang="pt-BR" dirty="0" smtClean="0"/>
+              <a:t>Cada neurônio possui um conjunto de pesos</a:t>
+            </a:r>
+          </a:p>
+          <a:p>
+            <a:r>
+              <a:rPr lang="pt-BR" dirty="0" smtClean="0"/>
+              <a:t>Os neurônios funcionam como extratores de características</a:t>
+            </a:r>
+          </a:p>
+          <a:p>
+            <a:r>
+              <a:rPr lang="pt-BR" dirty="0" smtClean="0"/>
+              <a:t>Aprendizado competitivo</a:t>
+            </a:r>
+          </a:p>
+          <a:p>
+            <a:r>
+              <a:rPr lang="pt-BR" dirty="0" smtClean="0"/>
+              <a:t>Iteração lateral</a:t>
+            </a:r>
+          </a:p>
+          <a:p>
+            <a:r>
+              <a:rPr lang="pt-BR" dirty="0" smtClean="0"/>
+              <a:t>Função chapéu mexicano</a:t>
+            </a:r>
+            <a:endParaRPr lang="pt-BR" dirty="0"/>
           </a:p>
         </p:txBody>
       </p:sp>
@@ -4494,7 +4516,7 @@
           <a:p>
             <a:r>
               <a:rPr lang="pt-BR" dirty="0" smtClean="0"/>
-              <a:t>Arquitetura das redes SOM </a:t>
+              <a:t>Treinamento</a:t>
             </a:r>
             <a:endParaRPr lang="pt-BR" dirty="0"/>
           </a:p>
@@ -4519,43 +4541,58 @@
           <a:p>
             <a:r>
               <a:rPr lang="pt-BR" dirty="0" smtClean="0"/>
-              <a:t>Grade bidimensional</a:t>
-            </a:r>
-          </a:p>
-          <a:p>
-            <a:r>
-              <a:rPr lang="pt-BR" dirty="0" smtClean="0"/>
-              <a:t>Formado por neurônios da camada de saída</a:t>
-            </a:r>
-          </a:p>
-          <a:p>
-            <a:r>
-              <a:rPr lang="pt-BR" dirty="0" smtClean="0"/>
-              <a:t>Cada neurônio possui um conjunto de pesos</a:t>
-            </a:r>
-          </a:p>
-          <a:p>
-            <a:r>
-              <a:rPr lang="pt-BR" dirty="0" smtClean="0"/>
-              <a:t>Os neurônios funcionam como extratores de características</a:t>
-            </a:r>
-          </a:p>
-          <a:p>
-            <a:r>
-              <a:rPr lang="pt-BR" dirty="0" smtClean="0"/>
-              <a:t>Aprendizado competitivo</a:t>
-            </a:r>
-          </a:p>
-          <a:p>
-            <a:r>
-              <a:rPr lang="pt-BR" dirty="0" smtClean="0"/>
-              <a:t>Iteração lateral</a:t>
-            </a:r>
-          </a:p>
-          <a:p>
-            <a:r>
-              <a:rPr lang="pt-BR" dirty="0" smtClean="0"/>
-              <a:t>Função chapéu mexicano</a:t>
+              <a:t>Competitivo e não-supervisionado</a:t>
+            </a:r>
+          </a:p>
+          <a:p>
+            <a:r>
+              <a:rPr lang="pt-BR" dirty="0" smtClean="0"/>
+              <a:t>Função de ativação: distância </a:t>
+            </a:r>
+            <a:r>
+              <a:rPr lang="pt-BR" dirty="0" smtClean="0"/>
+              <a:t>euclidiana</a:t>
+            </a:r>
+            <a:endParaRPr lang="pt-BR" dirty="0" smtClean="0"/>
+          </a:p>
+          <a:p>
+            <a:r>
+              <a:rPr lang="pt-BR" dirty="0" smtClean="0"/>
+              <a:t>Escolha do vencedor</a:t>
+            </a:r>
+          </a:p>
+          <a:p>
+            <a:r>
+              <a:rPr lang="pt-BR" dirty="0" smtClean="0"/>
+              <a:t>Região de vizinhança</a:t>
+            </a:r>
+          </a:p>
+          <a:p>
+            <a:r>
+              <a:rPr lang="pt-BR" dirty="0" smtClean="0"/>
+              <a:t>Atualização de </a:t>
+            </a:r>
+            <a:r>
+              <a:rPr lang="pt-BR" dirty="0" smtClean="0"/>
+              <a:t>pesos</a:t>
+            </a:r>
+            <a:endParaRPr lang="pt-BR" dirty="0" smtClean="0"/>
+          </a:p>
+          <a:p>
+            <a:r>
+              <a:rPr lang="pt-BR" dirty="0" smtClean="0"/>
+              <a:t>Função de </a:t>
+            </a:r>
+            <a:r>
+              <a:rPr lang="pt-BR" dirty="0" smtClean="0"/>
+              <a:t>vizinhança</a:t>
+            </a:r>
+            <a:endParaRPr lang="pt-BR" dirty="0" smtClean="0"/>
+          </a:p>
+          <a:p>
+            <a:r>
+              <a:rPr lang="pt-BR" dirty="0" smtClean="0"/>
+              <a:t>(Figura do fluxograma do algoritmo de treinamento)</a:t>
             </a:r>
             <a:endParaRPr lang="pt-BR" dirty="0"/>
           </a:p>
@@ -4603,7 +4640,7 @@
           <a:p>
             <a:r>
               <a:rPr lang="pt-BR" dirty="0" smtClean="0"/>
-              <a:t>Treinamento</a:t>
+              <a:t>Modelo proposto</a:t>
             </a:r>
             <a:endParaRPr lang="pt-BR" dirty="0"/>
           </a:p>
@@ -4621,69 +4658,36 @@
         </p:nvSpPr>
         <p:spPr/>
         <p:txBody>
-          <a:bodyPr>
-            <a:normAutofit lnSpcReduction="10000"/>
-          </a:bodyPr>
-          <a:lstStyle/>
-          <a:p>
-            <a:r>
-              <a:rPr lang="pt-BR" dirty="0" smtClean="0"/>
-              <a:t>Competitivo e não-supervisionado</a:t>
-            </a:r>
-          </a:p>
-          <a:p>
-            <a:r>
-              <a:rPr lang="pt-BR" dirty="0" smtClean="0"/>
-              <a:t>Função de ativação: </a:t>
-            </a:r>
-            <a:r>
-              <a:rPr lang="pt-BR" smtClean="0"/>
-              <a:t>distância </a:t>
-            </a:r>
-            <a:r>
-              <a:rPr lang="pt-BR" smtClean="0"/>
-              <a:t>euclidiana</a:t>
-            </a:r>
-            <a:endParaRPr lang="pt-BR" dirty="0" smtClean="0"/>
-          </a:p>
-          <a:p>
-            <a:r>
-              <a:rPr lang="pt-BR" dirty="0" smtClean="0"/>
-              <a:t>Escolha do vencedor</a:t>
-            </a:r>
-          </a:p>
-          <a:p>
-            <a:r>
-              <a:rPr lang="pt-BR" dirty="0" smtClean="0"/>
-              <a:t>Região de vizinhança</a:t>
-            </a:r>
-          </a:p>
-          <a:p>
-            <a:r>
-              <a:rPr lang="pt-BR" dirty="0" smtClean="0"/>
-              <a:t>Atualização de </a:t>
-            </a:r>
-            <a:r>
-              <a:rPr lang="pt-BR" dirty="0" smtClean="0"/>
-              <a:t>pesos</a:t>
-            </a:r>
-            <a:endParaRPr lang="pt-BR" dirty="0" smtClean="0"/>
-          </a:p>
-          <a:p>
-            <a:r>
-              <a:rPr lang="pt-BR" dirty="0" smtClean="0"/>
-              <a:t>Função de </a:t>
-            </a:r>
-            <a:r>
-              <a:rPr lang="pt-BR" dirty="0" smtClean="0"/>
-              <a:t>vizinhança</a:t>
-            </a:r>
-            <a:endParaRPr lang="pt-BR" dirty="0" smtClean="0"/>
-          </a:p>
-          <a:p>
-            <a:r>
-              <a:rPr lang="pt-BR" dirty="0" smtClean="0"/>
-              <a:t>(Figura do fluxograma do algoritmo de treinamento)</a:t>
+          <a:bodyPr/>
+          <a:lstStyle/>
+          <a:p>
+            <a:r>
+              <a:rPr lang="pt-BR" dirty="0" smtClean="0"/>
+              <a:t>Sistema de recomendação para locadoras</a:t>
+            </a:r>
+          </a:p>
+          <a:p>
+            <a:r>
+              <a:rPr lang="pt-BR" dirty="0" smtClean="0"/>
+              <a:t>Não existe avaliações de usuários</a:t>
+            </a:r>
+          </a:p>
+          <a:p>
+            <a:r>
+              <a:rPr lang="pt-BR" dirty="0" smtClean="0"/>
+              <a:t>Baseado no histórico de locações</a:t>
+            </a:r>
+          </a:p>
+          <a:p>
+            <a:r>
+              <a:rPr lang="pt-BR" dirty="0" smtClean="0"/>
+              <a:t>Utiliza redes SOM</a:t>
+            </a:r>
+          </a:p>
+          <a:p>
+            <a:r>
+              <a:rPr lang="pt-BR" dirty="0" smtClean="0"/>
+              <a:t>Um mapa por cliente</a:t>
             </a:r>
             <a:endParaRPr lang="pt-BR" dirty="0"/>
           </a:p>
@@ -4731,7 +4735,7 @@
           <a:p>
             <a:r>
               <a:rPr lang="pt-BR" dirty="0" smtClean="0"/>
-              <a:t>Roteiro</a:t>
+              <a:t>Problema</a:t>
             </a:r>
             <a:endParaRPr lang="pt-BR" dirty="0"/>
           </a:p>
@@ -4752,7 +4756,30 @@
           <a:bodyPr/>
           <a:lstStyle/>
           <a:p>
-            <a:endParaRPr lang="pt-BR"/>
+            <a:r>
+              <a:rPr lang="pt-BR" dirty="0" smtClean="0"/>
+              <a:t>Sobrecarga de informação</a:t>
+            </a:r>
+            <a:r>
+              <a:rPr lang="pt-BR" dirty="0"/>
+              <a:t> </a:t>
+            </a:r>
+            <a:r>
+              <a:rPr lang="pt-BR" dirty="0" smtClean="0"/>
+              <a:t>em sistemas computacionais</a:t>
+            </a:r>
+          </a:p>
+          <a:p>
+            <a:r>
+              <a:rPr lang="pt-BR" dirty="0" smtClean="0"/>
+              <a:t>Diversidade de produtos, volume grande de informação</a:t>
+            </a:r>
+          </a:p>
+          <a:p>
+            <a:r>
+              <a:rPr lang="pt-BR" dirty="0" smtClean="0"/>
+              <a:t>Clientes precisam procurar opiniões</a:t>
+            </a:r>
           </a:p>
         </p:txBody>
       </p:sp>
@@ -4870,7 +4897,7 @@
           <a:p>
             <a:r>
               <a:rPr lang="pt-BR" dirty="0" smtClean="0"/>
-              <a:t>Modelo proposto</a:t>
+              <a:t>Motivação</a:t>
             </a:r>
             <a:endParaRPr lang="pt-BR" dirty="0"/>
           </a:p>
@@ -4893,31 +4920,19 @@
           <a:p>
             <a:r>
               <a:rPr lang="pt-BR" dirty="0" smtClean="0"/>
-              <a:t>Sistema de recomendação para locadoras</a:t>
-            </a:r>
-          </a:p>
-          <a:p>
-            <a:r>
-              <a:rPr lang="pt-BR" dirty="0" smtClean="0"/>
-              <a:t>Não existe avaliações de usuários</a:t>
-            </a:r>
-          </a:p>
-          <a:p>
-            <a:r>
-              <a:rPr lang="pt-BR" dirty="0" smtClean="0"/>
-              <a:t>Baseado no histórico de locações</a:t>
-            </a:r>
-          </a:p>
-          <a:p>
-            <a:r>
-              <a:rPr lang="pt-BR" dirty="0" smtClean="0"/>
-              <a:t>Utiliza redes SOM</a:t>
-            </a:r>
-          </a:p>
-          <a:p>
-            <a:r>
-              <a:rPr lang="pt-BR" dirty="0" smtClean="0"/>
-              <a:t>Um mapa por cliente</a:t>
+              <a:t>Carência de ferramentas de recomendação em ambientes de vídeo locadoras</a:t>
+            </a:r>
+          </a:p>
+          <a:p>
+            <a:r>
+              <a:rPr lang="pt-BR" dirty="0" smtClean="0"/>
+              <a:t>A busca por recomendações é comum</a:t>
+            </a:r>
+          </a:p>
+          <a:p>
+            <a:r>
+              <a:rPr lang="pt-BR" dirty="0" smtClean="0"/>
+              <a:t>É preciso conhecer o perfil do cliente para fazer boas recomendações</a:t>
             </a:r>
             <a:endParaRPr lang="pt-BR" dirty="0"/>
           </a:p>
@@ -4965,7 +4980,7 @@
           <a:p>
             <a:r>
               <a:rPr lang="pt-BR" dirty="0" smtClean="0"/>
-              <a:t>Motivação</a:t>
+              <a:t>Objetivos</a:t>
             </a:r>
             <a:endParaRPr lang="pt-BR" dirty="0"/>
           </a:p>
@@ -4988,19 +5003,13 @@
           <a:p>
             <a:r>
               <a:rPr lang="pt-BR" dirty="0" smtClean="0"/>
-              <a:t>Carência de ferramentas de recomendação em ambientes de vídeo locadoras</a:t>
-            </a:r>
-          </a:p>
-          <a:p>
-            <a:r>
-              <a:rPr lang="pt-BR" dirty="0" smtClean="0"/>
-              <a:t>A busca por recomendações é comum</a:t>
-            </a:r>
-          </a:p>
-          <a:p>
-            <a:r>
-              <a:rPr lang="pt-BR" dirty="0" smtClean="0"/>
-              <a:t>É preciso conhecer o perfil do cliente para fazer boas recomendações</a:t>
+              <a:t>Auxiliar o cliente na escolha do título a ser locado</a:t>
+            </a:r>
+          </a:p>
+          <a:p>
+            <a:r>
+              <a:rPr lang="pt-BR" dirty="0" smtClean="0"/>
+              <a:t>Formar um mapa com títulos do histórico de locações agrupando-os de acordo com a similaridade entre eles</a:t>
             </a:r>
             <a:endParaRPr lang="pt-BR" dirty="0"/>
           </a:p>
@@ -5048,7 +5057,7 @@
           <a:p>
             <a:r>
               <a:rPr lang="pt-BR" dirty="0" smtClean="0"/>
-              <a:t>Objetivos</a:t>
+              <a:t>Arquitetura do modelo</a:t>
             </a:r>
             <a:endParaRPr lang="pt-BR" dirty="0"/>
           </a:p>
@@ -5071,13 +5080,13 @@
           <a:p>
             <a:r>
               <a:rPr lang="pt-BR" dirty="0" smtClean="0"/>
-              <a:t>Auxiliar o cliente na escolha do título a ser locado</a:t>
-            </a:r>
-          </a:p>
-          <a:p>
-            <a:r>
-              <a:rPr lang="pt-BR" dirty="0" smtClean="0"/>
-              <a:t>Formar um mapa com títulos do histórico de locações agrupando-os de acordo com a similaridade entre eles</a:t>
+              <a:t>Mapa SOM bidimensional</a:t>
+            </a:r>
+          </a:p>
+          <a:p>
+            <a:r>
+              <a:rPr lang="pt-BR" dirty="0" smtClean="0"/>
+              <a:t>Os neurônios irão representar filmes do histórico do cliente</a:t>
             </a:r>
             <a:endParaRPr lang="pt-BR" dirty="0"/>
           </a:p>
@@ -5125,7 +5134,7 @@
           <a:p>
             <a:r>
               <a:rPr lang="pt-BR" dirty="0" smtClean="0"/>
-              <a:t>Arquitetura do modelo</a:t>
+              <a:t>Funcionamento do modelo</a:t>
             </a:r>
             <a:endParaRPr lang="pt-BR" dirty="0"/>
           </a:p>
@@ -5143,18 +5152,32 @@
         </p:nvSpPr>
         <p:spPr/>
         <p:txBody>
-          <a:bodyPr/>
-          <a:lstStyle/>
-          <a:p>
-            <a:r>
-              <a:rPr lang="pt-BR" dirty="0" smtClean="0"/>
-              <a:t>Mapa SOM bidimensional</a:t>
-            </a:r>
-          </a:p>
-          <a:p>
-            <a:r>
-              <a:rPr lang="pt-BR" dirty="0" smtClean="0"/>
-              <a:t>Os neurônios irão representar filmes do histórico do cliente</a:t>
+          <a:bodyPr>
+            <a:normAutofit lnSpcReduction="10000"/>
+          </a:bodyPr>
+          <a:lstStyle/>
+          <a:p>
+            <a:r>
+              <a:rPr lang="pt-BR" dirty="0" smtClean="0"/>
+              <a:t>É criado um mapa para cada cliente</a:t>
+            </a:r>
+          </a:p>
+          <a:p>
+            <a:r>
+              <a:rPr lang="pt-BR" dirty="0" smtClean="0"/>
+              <a:t>O mapa é composto pelos filmes presentes no histórico do cliente</a:t>
+            </a:r>
+          </a:p>
+          <a:p>
+            <a:r>
+              <a:rPr lang="pt-BR" dirty="0" smtClean="0"/>
+              <a:t>No momento da locação o cliente apresenta um novo filmes à rede</a:t>
+            </a:r>
+          </a:p>
+          <a:p>
+            <a:r>
+              <a:rPr lang="pt-BR" dirty="0" smtClean="0"/>
+              <a:t>É calculado o neurônio que irá representar esse novo filme e são determinados os filmes com maior similaridade presentes no histórico do cliente</a:t>
             </a:r>
             <a:endParaRPr lang="pt-BR" dirty="0"/>
           </a:p>
@@ -5202,7 +5225,7 @@
           <a:p>
             <a:r>
               <a:rPr lang="pt-BR" dirty="0" smtClean="0"/>
-              <a:t>Funcionamento do modelo</a:t>
+              <a:t>Funcionamento</a:t>
             </a:r>
             <a:endParaRPr lang="pt-BR" dirty="0"/>
           </a:p>
@@ -5220,32 +5243,12 @@
         </p:nvSpPr>
         <p:spPr/>
         <p:txBody>
-          <a:bodyPr>
-            <a:normAutofit lnSpcReduction="10000"/>
-          </a:bodyPr>
-          <a:lstStyle/>
-          <a:p>
-            <a:r>
-              <a:rPr lang="pt-BR" dirty="0" smtClean="0"/>
-              <a:t>É criado um mapa para cada cliente</a:t>
-            </a:r>
-          </a:p>
-          <a:p>
-            <a:r>
-              <a:rPr lang="pt-BR" dirty="0" smtClean="0"/>
-              <a:t>O mapa é composto pelos filmes presentes no histórico do cliente</a:t>
-            </a:r>
-          </a:p>
-          <a:p>
-            <a:r>
-              <a:rPr lang="pt-BR" dirty="0" smtClean="0"/>
-              <a:t>No momento da locação o cliente apresenta um novo filmes à rede</a:t>
-            </a:r>
-          </a:p>
-          <a:p>
-            <a:r>
-              <a:rPr lang="pt-BR" dirty="0" smtClean="0"/>
-              <a:t>É calculado o neurônio que irá representar esse novo filme e são determinados os filmes com maior similaridade presentes no histórico do cliente</a:t>
+          <a:bodyPr/>
+          <a:lstStyle/>
+          <a:p>
+            <a:r>
+              <a:rPr lang="pt-BR" dirty="0" smtClean="0"/>
+              <a:t>(Figura do fluxo de execução do modelo)</a:t>
             </a:r>
             <a:endParaRPr lang="pt-BR" dirty="0"/>
           </a:p>
@@ -5291,10 +5294,6 @@
           <a:bodyPr/>
           <a:lstStyle/>
           <a:p>
-            <a:r>
-              <a:rPr lang="pt-BR" dirty="0" smtClean="0"/>
-              <a:t>Funcionamento</a:t>
-            </a:r>
             <a:endParaRPr lang="pt-BR" dirty="0"/>
           </a:p>
         </p:txBody>
@@ -5316,7 +5315,7 @@
           <a:p>
             <a:r>
               <a:rPr lang="pt-BR" dirty="0" smtClean="0"/>
-              <a:t>(Figura do fluxo de execução do modelo)</a:t>
+              <a:t>(Figura do mapa)</a:t>
             </a:r>
             <a:endParaRPr lang="pt-BR" dirty="0"/>
           </a:p>
@@ -5362,6 +5361,10 @@
           <a:bodyPr/>
           <a:lstStyle/>
           <a:p>
+            <a:r>
+              <a:rPr lang="pt-BR" dirty="0" smtClean="0"/>
+              <a:t>Experimentos</a:t>
+            </a:r>
             <a:endParaRPr lang="pt-BR" dirty="0"/>
           </a:p>
         </p:txBody>
@@ -5378,14 +5381,49 @@
         </p:nvSpPr>
         <p:spPr/>
         <p:txBody>
-          <a:bodyPr/>
-          <a:lstStyle/>
-          <a:p>
-            <a:r>
-              <a:rPr lang="pt-BR" dirty="0" smtClean="0"/>
-              <a:t>(Figura do mapa)</a:t>
-            </a:r>
-            <a:endParaRPr lang="pt-BR" dirty="0"/>
+          <a:bodyPr>
+            <a:normAutofit lnSpcReduction="10000"/>
+          </a:bodyPr>
+          <a:lstStyle/>
+          <a:p>
+            <a:r>
+              <a:rPr lang="pt-BR" dirty="0" err="1" smtClean="0"/>
+              <a:t>MovieLens</a:t>
+            </a:r>
+            <a:r>
+              <a:rPr lang="pt-BR" dirty="0" smtClean="0"/>
+              <a:t> Data Set</a:t>
+            </a:r>
+          </a:p>
+          <a:p>
+            <a:r>
+              <a:rPr lang="pt-BR" dirty="0" smtClean="0"/>
+              <a:t>Cada usuário foi tratado como um cliente da locadora</a:t>
+            </a:r>
+          </a:p>
+          <a:p>
+            <a:r>
+              <a:rPr lang="pt-BR" dirty="0" smtClean="0"/>
+              <a:t>A base de avaliações foi dividida entre treinamento e teste</a:t>
+            </a:r>
+          </a:p>
+          <a:p>
+            <a:r>
+              <a:rPr lang="pt-BR" dirty="0" smtClean="0"/>
+              <a:t>A base de treinamento representa os filmes já locados</a:t>
+            </a:r>
+          </a:p>
+          <a:p>
+            <a:r>
+              <a:rPr lang="pt-BR" dirty="0" smtClean="0"/>
+              <a:t>A base de teste representa os filmes que irão ser locados</a:t>
+            </a:r>
+          </a:p>
+          <a:p>
+            <a:pPr>
+              <a:buNone/>
+            </a:pPr>
+            <a:endParaRPr lang="pt-BR" dirty="0" smtClean="0"/>
           </a:p>
         </p:txBody>
       </p:sp>
@@ -5426,12 +5464,14 @@
         </p:nvSpPr>
         <p:spPr/>
         <p:txBody>
-          <a:bodyPr/>
-          <a:lstStyle/>
-          <a:p>
-            <a:r>
-              <a:rPr lang="pt-BR" dirty="0" smtClean="0"/>
-              <a:t>Experimentos</a:t>
+          <a:bodyPr>
+            <a:normAutofit/>
+          </a:bodyPr>
+          <a:lstStyle/>
+          <a:p>
+            <a:r>
+              <a:rPr lang="pt-BR" dirty="0" smtClean="0"/>
+              <a:t>Resultados</a:t>
             </a:r>
             <a:endParaRPr lang="pt-BR" dirty="0"/>
           </a:p>
@@ -5449,49 +5489,14 @@
         </p:nvSpPr>
         <p:spPr/>
         <p:txBody>
-          <a:bodyPr>
-            <a:normAutofit lnSpcReduction="10000"/>
-          </a:bodyPr>
-          <a:lstStyle/>
-          <a:p>
-            <a:r>
-              <a:rPr lang="pt-BR" dirty="0" err="1" smtClean="0"/>
-              <a:t>MovieLens</a:t>
-            </a:r>
-            <a:r>
-              <a:rPr lang="pt-BR" dirty="0" smtClean="0"/>
-              <a:t> Data Set</a:t>
-            </a:r>
-          </a:p>
-          <a:p>
-            <a:r>
-              <a:rPr lang="pt-BR" dirty="0" smtClean="0"/>
-              <a:t>Cada usuário foi tratado como um cliente da locadora</a:t>
-            </a:r>
-          </a:p>
-          <a:p>
-            <a:r>
-              <a:rPr lang="pt-BR" dirty="0" smtClean="0"/>
-              <a:t>A base de avaliações foi dividida entre treinamento e teste</a:t>
-            </a:r>
-          </a:p>
-          <a:p>
-            <a:r>
-              <a:rPr lang="pt-BR" dirty="0" smtClean="0"/>
-              <a:t>A base de treinamento representa os filmes já locados</a:t>
-            </a:r>
-          </a:p>
-          <a:p>
-            <a:r>
-              <a:rPr lang="pt-BR" dirty="0" smtClean="0"/>
-              <a:t>A base de teste representa os filmes que irão ser locados</a:t>
-            </a:r>
-          </a:p>
-          <a:p>
-            <a:pPr>
-              <a:buNone/>
-            </a:pPr>
-            <a:endParaRPr lang="pt-BR" dirty="0" smtClean="0"/>
+          <a:bodyPr/>
+          <a:lstStyle/>
+          <a:p>
+            <a:r>
+              <a:rPr lang="pt-BR" dirty="0" smtClean="0"/>
+              <a:t>(Colar tabelas com resultados)</a:t>
+            </a:r>
+            <a:endParaRPr lang="pt-BR" dirty="0"/>
           </a:p>
         </p:txBody>
       </p:sp>
@@ -5532,14 +5537,12 @@
         </p:nvSpPr>
         <p:spPr/>
         <p:txBody>
-          <a:bodyPr>
-            <a:normAutofit/>
-          </a:bodyPr>
-          <a:lstStyle/>
-          <a:p>
-            <a:r>
-              <a:rPr lang="pt-BR" dirty="0" smtClean="0"/>
-              <a:t>Resultados</a:t>
+          <a:bodyPr/>
+          <a:lstStyle/>
+          <a:p>
+            <a:r>
+              <a:rPr lang="pt-BR" dirty="0" smtClean="0"/>
+              <a:t>Conclusões</a:t>
             </a:r>
             <a:endParaRPr lang="pt-BR" dirty="0"/>
           </a:p>
@@ -5562,7 +5565,19 @@
           <a:p>
             <a:r>
               <a:rPr lang="pt-BR" dirty="0" smtClean="0"/>
-              <a:t>(Colar tabelas com resultados)</a:t>
+              <a:t>Prova de conceito</a:t>
+            </a:r>
+          </a:p>
+          <a:p>
+            <a:r>
+              <a:rPr lang="pt-BR" dirty="0" smtClean="0"/>
+              <a:t>Vídeo locadoras carecem de sistemas de recomendação</a:t>
+            </a:r>
+          </a:p>
+          <a:p>
+            <a:r>
+              <a:rPr lang="pt-BR" dirty="0" smtClean="0"/>
+              <a:t>É possível construir um perfil a partir do histórico</a:t>
             </a:r>
             <a:endParaRPr lang="pt-BR" dirty="0"/>
           </a:p>
@@ -5610,7 +5625,7 @@
           <a:p>
             <a:r>
               <a:rPr lang="pt-BR" dirty="0" smtClean="0"/>
-              <a:t>Conclusões</a:t>
+              <a:t>Trabalhos futuros</a:t>
             </a:r>
             <a:endParaRPr lang="pt-BR" dirty="0"/>
           </a:p>
@@ -5633,19 +5648,25 @@
           <a:p>
             <a:r>
               <a:rPr lang="pt-BR" dirty="0" smtClean="0"/>
-              <a:t>Prova de conceito</a:t>
-            </a:r>
-          </a:p>
-          <a:p>
-            <a:r>
-              <a:rPr lang="pt-BR" dirty="0" smtClean="0"/>
-              <a:t>Vídeo locadoras carecem de sistemas de recomendação</a:t>
-            </a:r>
-          </a:p>
-          <a:p>
-            <a:r>
-              <a:rPr lang="pt-BR" dirty="0" smtClean="0"/>
-              <a:t>É possível construir um perfil a partir do histórico</a:t>
+              <a:t>Agregar outros parâmetros para construção do perfil, como atores, diretor, premiações</a:t>
+            </a:r>
+          </a:p>
+          <a:p>
+            <a:r>
+              <a:rPr lang="pt-BR" dirty="0" smtClean="0"/>
+              <a:t>Interface gráfica para interação com usuário</a:t>
+            </a:r>
+          </a:p>
+          <a:p>
+            <a:r>
+              <a:rPr lang="pt-BR" dirty="0" smtClean="0"/>
+              <a:t>Armazenamento do mapa</a:t>
+            </a:r>
+          </a:p>
+          <a:p>
+            <a:r>
+              <a:rPr lang="pt-BR" dirty="0" smtClean="0"/>
+              <a:t>Atualização dinâmica do mapa</a:t>
             </a:r>
             <a:endParaRPr lang="pt-BR" dirty="0"/>
           </a:p>
@@ -5693,7 +5714,7 @@
           <a:p>
             <a:r>
               <a:rPr lang="pt-BR" dirty="0" smtClean="0"/>
-              <a:t>Problema</a:t>
+              <a:t>Objetivo</a:t>
             </a:r>
             <a:endParaRPr lang="pt-BR" dirty="0"/>
           </a:p>
@@ -5716,103 +5737,18 @@
           <a:p>
             <a:r>
               <a:rPr lang="pt-BR" dirty="0" smtClean="0"/>
-              <a:t>Sobrecarga de informação</a:t>
-            </a:r>
-            <a:r>
-              <a:rPr lang="pt-BR" dirty="0"/>
-              <a:t> </a:t>
-            </a:r>
-            <a:r>
-              <a:rPr lang="pt-BR" dirty="0" smtClean="0"/>
-              <a:t>em sistemas computacionais</a:t>
-            </a:r>
-          </a:p>
-          <a:p>
-            <a:r>
-              <a:rPr lang="pt-BR" dirty="0" smtClean="0"/>
-              <a:t>Diversidade de produtos, volume grande de informação</a:t>
-            </a:r>
-          </a:p>
-          <a:p>
-            <a:r>
-              <a:rPr lang="pt-BR" dirty="0" smtClean="0"/>
-              <a:t>Clientes precisam procurar opiniões</a:t>
-            </a:r>
-          </a:p>
-        </p:txBody>
-      </p:sp>
-      <p:pic>
-        <p:nvPicPr>
-          <p:cNvPr id="4" name="Imagem 3" descr="marca_dsc.png"/>
-          <p:cNvPicPr>
-            <a:picLocks noChangeAspect="1"/>
-          </p:cNvPicPr>
-          <p:nvPr/>
-        </p:nvPicPr>
-        <p:blipFill>
-          <a:blip r:embed="rId2" cstate="print"/>
-          <a:stretch>
-            <a:fillRect/>
-          </a:stretch>
-        </p:blipFill>
-        <p:spPr>
-          <a:xfrm>
-            <a:off x="375053" y="6077063"/>
-            <a:ext cx="2339559" cy="500066"/>
-          </a:xfrm>
-          <a:prstGeom prst="rect">
-            <a:avLst/>
-          </a:prstGeom>
-        </p:spPr>
-      </p:pic>
-      <p:pic>
-        <p:nvPicPr>
-          <p:cNvPr id="5" name="Imagem 4" descr="logo_upe.png"/>
-          <p:cNvPicPr>
-            <a:picLocks noChangeAspect="1"/>
-          </p:cNvPicPr>
-          <p:nvPr/>
-        </p:nvPicPr>
-        <p:blipFill>
-          <a:blip r:embed="rId3" cstate="print"/>
-          <a:stretch>
-            <a:fillRect/>
-          </a:stretch>
-        </p:blipFill>
-        <p:spPr>
-          <a:xfrm>
-            <a:off x="4214810" y="5993821"/>
-            <a:ext cx="904998" cy="583308"/>
-          </a:xfrm>
-          <a:prstGeom prst="rect">
-            <a:avLst/>
-          </a:prstGeom>
-        </p:spPr>
-      </p:pic>
-      <p:pic>
-        <p:nvPicPr>
-          <p:cNvPr id="6" name="Imagem 5" descr="logo_poli.png"/>
-          <p:cNvPicPr>
-            <a:picLocks noChangeAspect="1"/>
-          </p:cNvPicPr>
-          <p:nvPr/>
-        </p:nvPicPr>
-        <p:blipFill>
-          <a:blip r:embed="rId4" cstate="print"/>
-          <a:stretch>
-            <a:fillRect/>
-          </a:stretch>
-        </p:blipFill>
-        <p:spPr>
-          <a:xfrm>
-            <a:off x="7286644" y="5936277"/>
-            <a:ext cx="1142640" cy="640852"/>
-          </a:xfrm>
-          <a:prstGeom prst="rect">
-            <a:avLst/>
-          </a:prstGeom>
-        </p:spPr>
-      </p:pic>
+              <a:t>Auxiliar clientes de vídeo locadoras a escolher filmes</a:t>
+            </a:r>
+          </a:p>
+          <a:p>
+            <a:r>
+              <a:rPr lang="pt-BR" dirty="0" smtClean="0"/>
+              <a:t>Prova de conceito de sistema de recomendação utilizando redes SOM</a:t>
+            </a:r>
+            <a:endParaRPr lang="pt-BR" dirty="0"/>
+          </a:p>
+        </p:txBody>
+      </p:sp>
     </p:spTree>
   </p:cSld>
   <p:clrMapOvr>
@@ -5822,95 +5758,6 @@
 </file>
 
 <file path=ppt/slides/slide30.xml><?xml version="1.0" encoding="utf-8"?>
-<p:sld xmlns:a="http://schemas.openxmlformats.org/drawingml/2006/main" xmlns:r="http://schemas.openxmlformats.org/officeDocument/2006/relationships" xmlns:p="http://schemas.openxmlformats.org/presentationml/2006/main">
-  <p:cSld>
-    <p:spTree>
-      <p:nvGrpSpPr>
-        <p:cNvPr id="1" name=""/>
-        <p:cNvGrpSpPr/>
-        <p:nvPr/>
-      </p:nvGrpSpPr>
-      <p:grpSpPr>
-        <a:xfrm>
-          <a:off x="0" y="0"/>
-          <a:ext cx="0" cy="0"/>
-          <a:chOff x="0" y="0"/>
-          <a:chExt cx="0" cy="0"/>
-        </a:xfrm>
-      </p:grpSpPr>
-      <p:sp>
-        <p:nvSpPr>
-          <p:cNvPr id="2" name="Título 1"/>
-          <p:cNvSpPr>
-            <a:spLocks noGrp="1"/>
-          </p:cNvSpPr>
-          <p:nvPr>
-            <p:ph type="title"/>
-          </p:nvPr>
-        </p:nvSpPr>
-        <p:spPr/>
-        <p:txBody>
-          <a:bodyPr/>
-          <a:lstStyle/>
-          <a:p>
-            <a:r>
-              <a:rPr lang="pt-BR" dirty="0" smtClean="0"/>
-              <a:t>Trabalhos futuros</a:t>
-            </a:r>
-            <a:endParaRPr lang="pt-BR" dirty="0"/>
-          </a:p>
-        </p:txBody>
-      </p:sp>
-      <p:sp>
-        <p:nvSpPr>
-          <p:cNvPr id="3" name="Espaço Reservado para Conteúdo 2"/>
-          <p:cNvSpPr>
-            <a:spLocks noGrp="1"/>
-          </p:cNvSpPr>
-          <p:nvPr>
-            <p:ph idx="1"/>
-          </p:nvPr>
-        </p:nvSpPr>
-        <p:spPr/>
-        <p:txBody>
-          <a:bodyPr/>
-          <a:lstStyle/>
-          <a:p>
-            <a:r>
-              <a:rPr lang="pt-BR" dirty="0" smtClean="0"/>
-              <a:t>Agregar outros parâmetros para construção do perfil, como atores, diretor, premiações</a:t>
-            </a:r>
-          </a:p>
-          <a:p>
-            <a:r>
-              <a:rPr lang="pt-BR" dirty="0" smtClean="0"/>
-              <a:t>Interface gráfica para interação com usuário</a:t>
-            </a:r>
-          </a:p>
-          <a:p>
-            <a:r>
-              <a:rPr lang="pt-BR" dirty="0" smtClean="0"/>
-              <a:t>Armazenamento do mapa</a:t>
-            </a:r>
-          </a:p>
-          <a:p>
-            <a:r>
-              <a:rPr lang="pt-BR" dirty="0" smtClean="0"/>
-              <a:t>Atualização dinâmica do mapa</a:t>
-            </a:r>
-            <a:endParaRPr lang="pt-BR" dirty="0"/>
-          </a:p>
-        </p:txBody>
-      </p:sp>
-    </p:spTree>
-  </p:cSld>
-  <p:clrMapOvr>
-    <a:masterClrMapping/>
-  </p:clrMapOvr>
-</p:sld>
-</file>
-
-<file path=ppt/slides/slide31.xml><?xml version="1.0" encoding="utf-8"?>
 <p:sld xmlns:a="http://schemas.openxmlformats.org/drawingml/2006/main" xmlns:r="http://schemas.openxmlformats.org/officeDocument/2006/relationships" xmlns:p="http://schemas.openxmlformats.org/presentationml/2006/main">
   <p:cSld>
     <p:spTree>
@@ -6097,7 +5944,7 @@
           <a:p>
             <a:r>
               <a:rPr lang="pt-BR" dirty="0" smtClean="0"/>
-              <a:t>Objetivo</a:t>
+              <a:t>Conceitos Fundamentais</a:t>
             </a:r>
             <a:endParaRPr lang="pt-BR" dirty="0"/>
           </a:p>
@@ -6120,13 +5967,13 @@
           <a:p>
             <a:r>
               <a:rPr lang="pt-BR" dirty="0" smtClean="0"/>
-              <a:t>Auxiliar clientes de vídeo locadoras a escolher filmes</a:t>
-            </a:r>
-          </a:p>
-          <a:p>
-            <a:r>
-              <a:rPr lang="pt-BR" dirty="0" smtClean="0"/>
-              <a:t>Prova de conceito de sistema de recomendação utilizando redes SOM</a:t>
+              <a:t>Sistemas de recomendação</a:t>
+            </a:r>
+          </a:p>
+          <a:p>
+            <a:r>
+              <a:rPr lang="pt-BR" dirty="0" smtClean="0"/>
+              <a:t>Redes SOM</a:t>
             </a:r>
             <a:endParaRPr lang="pt-BR" dirty="0"/>
           </a:p>
@@ -6174,7 +6021,7 @@
           <a:p>
             <a:r>
               <a:rPr lang="pt-BR" dirty="0" smtClean="0"/>
-              <a:t>Conceitos Fundamentais</a:t>
+              <a:t>Sistemas de recomendação</a:t>
             </a:r>
             <a:endParaRPr lang="pt-BR" dirty="0"/>
           </a:p>
@@ -6197,13 +6044,25 @@
           <a:p>
             <a:r>
               <a:rPr lang="pt-BR" dirty="0" smtClean="0"/>
-              <a:t>Sistemas de recomendação</a:t>
-            </a:r>
-          </a:p>
-          <a:p>
-            <a:r>
-              <a:rPr lang="pt-BR" dirty="0" smtClean="0"/>
-              <a:t>Redes SOM</a:t>
+              <a:t>Desenhado para resolver o problema da sobrecarga de informação</a:t>
+            </a:r>
+          </a:p>
+          <a:p>
+            <a:r>
+              <a:rPr lang="pt-BR" dirty="0" smtClean="0"/>
+              <a:t>Nasceu da necessidade de filtrar ou recuperar informação</a:t>
+            </a:r>
+          </a:p>
+          <a:p>
+            <a:r>
+              <a:rPr lang="pt-BR" dirty="0" smtClean="0"/>
+              <a:t>Largamente utilizado por comércio eletrônico</a:t>
+            </a:r>
+          </a:p>
+          <a:p>
+            <a:r>
+              <a:rPr lang="pt-BR" dirty="0" smtClean="0"/>
+              <a:t>Marketing direto</a:t>
             </a:r>
             <a:endParaRPr lang="pt-BR" dirty="0"/>
           </a:p>
@@ -6251,7 +6110,7 @@
           <a:p>
             <a:r>
               <a:rPr lang="pt-BR" dirty="0" smtClean="0"/>
-              <a:t>Sistemas de recomendação</a:t>
+              <a:t>Estratégias</a:t>
             </a:r>
             <a:endParaRPr lang="pt-BR" dirty="0"/>
           </a:p>
@@ -6274,25 +6133,31 @@
           <a:p>
             <a:r>
               <a:rPr lang="pt-BR" dirty="0" smtClean="0"/>
-              <a:t>Desenhado para resolver o problema da sobrecarga de informação</a:t>
-            </a:r>
-          </a:p>
-          <a:p>
-            <a:r>
-              <a:rPr lang="pt-BR" dirty="0" smtClean="0"/>
-              <a:t>Nasceu da necessidade de filtrar ou recuperar informação</a:t>
-            </a:r>
-          </a:p>
-          <a:p>
-            <a:r>
-              <a:rPr lang="pt-BR" dirty="0" smtClean="0"/>
-              <a:t>Largamente utilizado por comércio eletrônico</a:t>
-            </a:r>
-          </a:p>
-          <a:p>
-            <a:r>
-              <a:rPr lang="pt-BR" dirty="0" smtClean="0"/>
-              <a:t>Marketing direto</a:t>
+              <a:t>Listas de recomendação</a:t>
+            </a:r>
+          </a:p>
+          <a:p>
+            <a:r>
+              <a:rPr lang="pt-BR" dirty="0" smtClean="0"/>
+              <a:t>Avaliação de usuários</a:t>
+            </a:r>
+          </a:p>
+          <a:p>
+            <a:r>
+              <a:rPr lang="pt-BR" dirty="0" smtClean="0"/>
+              <a:t>Suas recomendações</a:t>
+            </a:r>
+          </a:p>
+          <a:p>
+            <a:r>
+              <a:rPr lang="pt-BR" dirty="0" smtClean="0"/>
+              <a:t>Clientes que adquiriram X também compraram Y</a:t>
+            </a:r>
+          </a:p>
+          <a:p>
+            <a:r>
+              <a:rPr lang="pt-BR" dirty="0" smtClean="0"/>
+              <a:t>Associação por conteúdo</a:t>
             </a:r>
             <a:endParaRPr lang="pt-BR" dirty="0"/>
           </a:p>
@@ -6340,7 +6205,7 @@
           <a:p>
             <a:r>
               <a:rPr lang="pt-BR" dirty="0" smtClean="0"/>
-              <a:t>Estratégias</a:t>
+              <a:t>Técnicas de filtragem</a:t>
             </a:r>
             <a:endParaRPr lang="pt-BR" dirty="0"/>
           </a:p>
@@ -6363,31 +6228,19 @@
           <a:p>
             <a:r>
               <a:rPr lang="pt-BR" dirty="0" smtClean="0"/>
-              <a:t>Listas de recomendação</a:t>
-            </a:r>
-          </a:p>
-          <a:p>
-            <a:r>
-              <a:rPr lang="pt-BR" dirty="0" smtClean="0"/>
-              <a:t>Avaliação de usuários</a:t>
-            </a:r>
-          </a:p>
-          <a:p>
-            <a:r>
-              <a:rPr lang="pt-BR" dirty="0" smtClean="0"/>
-              <a:t>Suas recomendações</a:t>
-            </a:r>
-          </a:p>
-          <a:p>
-            <a:r>
-              <a:rPr lang="pt-BR" dirty="0" smtClean="0"/>
-              <a:t>Clientes que adquiriram X também compraram Y</a:t>
-            </a:r>
-          </a:p>
-          <a:p>
-            <a:r>
-              <a:rPr lang="pt-BR" dirty="0" smtClean="0"/>
-              <a:t>Associação por conteúdo</a:t>
+              <a:t>Baseada em conteúdo</a:t>
+            </a:r>
+          </a:p>
+          <a:p>
+            <a:r>
+              <a:rPr lang="pt-BR" dirty="0" smtClean="0"/>
+              <a:t>Colaborativa</a:t>
+            </a:r>
+          </a:p>
+          <a:p>
+            <a:r>
+              <a:rPr lang="pt-BR" dirty="0" smtClean="0"/>
+              <a:t>Híbrida</a:t>
             </a:r>
             <a:endParaRPr lang="pt-BR" dirty="0"/>
           </a:p>
@@ -6435,7 +6288,7 @@
           <a:p>
             <a:r>
               <a:rPr lang="pt-BR" dirty="0" smtClean="0"/>
-              <a:t>Técnicas de filtragem</a:t>
+              <a:t>Filtragem baseada em conteúdo</a:t>
             </a:r>
             <a:endParaRPr lang="pt-BR" dirty="0"/>
           </a:p>
@@ -6458,19 +6311,19 @@
           <a:p>
             <a:r>
               <a:rPr lang="pt-BR" dirty="0" smtClean="0"/>
-              <a:t>Baseada em conteúdo</a:t>
-            </a:r>
-          </a:p>
-          <a:p>
-            <a:r>
-              <a:rPr lang="pt-BR" dirty="0" smtClean="0"/>
-              <a:t>Colaborativa</a:t>
-            </a:r>
-          </a:p>
-          <a:p>
-            <a:r>
-              <a:rPr lang="pt-BR" dirty="0" smtClean="0"/>
-              <a:t>Híbrida</a:t>
+              <a:t>Raízes no processo de recuperação de informação</a:t>
+            </a:r>
+          </a:p>
+          <a:p>
+            <a:r>
+              <a:rPr lang="pt-BR" dirty="0" smtClean="0"/>
+              <a:t>Baseadas no perfil do usuário previamente construído</a:t>
+            </a:r>
+          </a:p>
+          <a:p>
+            <a:r>
+              <a:rPr lang="pt-BR" dirty="0" smtClean="0"/>
+              <a:t>O perfil é conhecido através do conteúdo dos itens investigados</a:t>
             </a:r>
             <a:endParaRPr lang="pt-BR" dirty="0"/>
           </a:p>
@@ -6539,21 +6392,24 @@
           <a:bodyPr/>
           <a:lstStyle/>
           <a:p>
-            <a:r>
-              <a:rPr lang="pt-BR" dirty="0" smtClean="0"/>
-              <a:t>Raízes no processo de recuperação de informação</a:t>
-            </a:r>
-          </a:p>
-          <a:p>
-            <a:r>
-              <a:rPr lang="pt-BR" dirty="0" smtClean="0"/>
-              <a:t>Baseadas no perfil do usuário previamente construído</a:t>
-            </a:r>
-          </a:p>
-          <a:p>
-            <a:r>
-              <a:rPr lang="pt-BR" dirty="0" smtClean="0"/>
-              <a:t>O perfil é conhecido através do conteúdo dos itens investigados</a:t>
+            <a:pPr>
+              <a:buNone/>
+            </a:pPr>
+            <a:r>
+              <a:rPr lang="pt-BR" dirty="0" smtClean="0"/>
+              <a:t>Vantagens:</a:t>
+            </a:r>
+          </a:p>
+          <a:p>
+            <a:r>
+              <a:rPr lang="pt-BR" dirty="0" smtClean="0"/>
+              <a:t>Não são necessárias qualificações</a:t>
+            </a:r>
+          </a:p>
+          <a:p>
+            <a:r>
+              <a:rPr lang="pt-BR" dirty="0" smtClean="0"/>
+              <a:t>Se baseia apenas no conteúdo de itens, portanto não se restringe a itens já avaliados</a:t>
             </a:r>
             <a:endParaRPr lang="pt-BR" dirty="0"/>
           </a:p>

--- a/Apresentação/TCC_AndersonBerg_Apresentação.pptx
+++ b/Apresentação/TCC_AndersonBerg_Apresentação.pptx
@@ -222,7 +222,7 @@
             <a:fld id="{87533535-BCD3-4A64-9D1A-E5BA9C17F898}" type="datetimeFigureOut">
               <a:rPr lang="pt-BR" smtClean="0"/>
               <a:pPr/>
-              <a:t>5/12/2009</a:t>
+              <a:t>6/12/2009</a:t>
             </a:fld>
             <a:endParaRPr lang="pt-BR"/>
           </a:p>
@@ -834,7 +834,7 @@
             <a:fld id="{8E4FEC67-B5D5-4F89-802C-92EB9180D12F}" type="datetimeFigureOut">
               <a:rPr lang="pt-BR" smtClean="0"/>
               <a:pPr/>
-              <a:t>5/12/2009</a:t>
+              <a:t>6/12/2009</a:t>
             </a:fld>
             <a:endParaRPr lang="pt-BR"/>
           </a:p>
@@ -1001,7 +1001,7 @@
             <a:fld id="{8E4FEC67-B5D5-4F89-802C-92EB9180D12F}" type="datetimeFigureOut">
               <a:rPr lang="pt-BR" smtClean="0"/>
               <a:pPr/>
-              <a:t>5/12/2009</a:t>
+              <a:t>6/12/2009</a:t>
             </a:fld>
             <a:endParaRPr lang="pt-BR"/>
           </a:p>
@@ -1178,7 +1178,7 @@
             <a:fld id="{8E4FEC67-B5D5-4F89-802C-92EB9180D12F}" type="datetimeFigureOut">
               <a:rPr lang="pt-BR" smtClean="0"/>
               <a:pPr/>
-              <a:t>5/12/2009</a:t>
+              <a:t>6/12/2009</a:t>
             </a:fld>
             <a:endParaRPr lang="pt-BR"/>
           </a:p>
@@ -1345,7 +1345,7 @@
             <a:fld id="{8E4FEC67-B5D5-4F89-802C-92EB9180D12F}" type="datetimeFigureOut">
               <a:rPr lang="pt-BR" smtClean="0"/>
               <a:pPr/>
-              <a:t>5/12/2009</a:t>
+              <a:t>6/12/2009</a:t>
             </a:fld>
             <a:endParaRPr lang="pt-BR"/>
           </a:p>
@@ -1588,7 +1588,7 @@
             <a:fld id="{8E4FEC67-B5D5-4F89-802C-92EB9180D12F}" type="datetimeFigureOut">
               <a:rPr lang="pt-BR" smtClean="0"/>
               <a:pPr/>
-              <a:t>5/12/2009</a:t>
+              <a:t>6/12/2009</a:t>
             </a:fld>
             <a:endParaRPr lang="pt-BR"/>
           </a:p>
@@ -1873,7 +1873,7 @@
             <a:fld id="{8E4FEC67-B5D5-4F89-802C-92EB9180D12F}" type="datetimeFigureOut">
               <a:rPr lang="pt-BR" smtClean="0"/>
               <a:pPr/>
-              <a:t>5/12/2009</a:t>
+              <a:t>6/12/2009</a:t>
             </a:fld>
             <a:endParaRPr lang="pt-BR"/>
           </a:p>
@@ -2292,7 +2292,7 @@
             <a:fld id="{8E4FEC67-B5D5-4F89-802C-92EB9180D12F}" type="datetimeFigureOut">
               <a:rPr lang="pt-BR" smtClean="0"/>
               <a:pPr/>
-              <a:t>5/12/2009</a:t>
+              <a:t>6/12/2009</a:t>
             </a:fld>
             <a:endParaRPr lang="pt-BR"/>
           </a:p>
@@ -2407,7 +2407,7 @@
             <a:fld id="{8E4FEC67-B5D5-4F89-802C-92EB9180D12F}" type="datetimeFigureOut">
               <a:rPr lang="pt-BR" smtClean="0"/>
               <a:pPr/>
-              <a:t>5/12/2009</a:t>
+              <a:t>6/12/2009</a:t>
             </a:fld>
             <a:endParaRPr lang="pt-BR"/>
           </a:p>
@@ -2499,7 +2499,7 @@
             <a:fld id="{8E4FEC67-B5D5-4F89-802C-92EB9180D12F}" type="datetimeFigureOut">
               <a:rPr lang="pt-BR" smtClean="0"/>
               <a:pPr/>
-              <a:t>5/12/2009</a:t>
+              <a:t>6/12/2009</a:t>
             </a:fld>
             <a:endParaRPr lang="pt-BR"/>
           </a:p>
@@ -2773,7 +2773,7 @@
             <a:fld id="{8E4FEC67-B5D5-4F89-802C-92EB9180D12F}" type="datetimeFigureOut">
               <a:rPr lang="pt-BR" smtClean="0"/>
               <a:pPr/>
-              <a:t>5/12/2009</a:t>
+              <a:t>6/12/2009</a:t>
             </a:fld>
             <a:endParaRPr lang="pt-BR"/>
           </a:p>
@@ -3023,7 +3023,7 @@
             <a:fld id="{8E4FEC67-B5D5-4F89-802C-92EB9180D12F}" type="datetimeFigureOut">
               <a:rPr lang="pt-BR" smtClean="0"/>
               <a:pPr/>
-              <a:t>5/12/2009</a:t>
+              <a:t>6/12/2009</a:t>
             </a:fld>
             <a:endParaRPr lang="pt-BR"/>
           </a:p>
@@ -3233,7 +3233,7 @@
             <a:fld id="{8E4FEC67-B5D5-4F89-802C-92EB9180D12F}" type="datetimeFigureOut">
               <a:rPr lang="pt-BR" smtClean="0"/>
               <a:pPr/>
-              <a:t>5/12/2009</a:t>
+              <a:t>6/12/2009</a:t>
             </a:fld>
             <a:endParaRPr lang="pt-BR"/>
           </a:p>
@@ -4547,13 +4547,8 @@
           <a:p>
             <a:r>
               <a:rPr lang="pt-BR" dirty="0" smtClean="0"/>
-              <a:t>Função de ativação: distância </a:t>
-            </a:r>
-            <a:r>
-              <a:rPr lang="pt-BR" dirty="0" smtClean="0"/>
-              <a:t>euclidiana</a:t>
-            </a:r>
-            <a:endParaRPr lang="pt-BR" dirty="0" smtClean="0"/>
+              <a:t>Função de ativação: distância euclidiana</a:t>
+            </a:r>
           </a:p>
           <a:p>
             <a:r>
@@ -4570,24 +4565,14 @@
           <a:p>
             <a:r>
               <a:rPr lang="pt-BR" dirty="0" smtClean="0"/>
-              <a:t>Atualização de </a:t>
-            </a:r>
-            <a:r>
-              <a:rPr lang="pt-BR" dirty="0" smtClean="0"/>
-              <a:t>pesos</a:t>
-            </a:r>
-            <a:endParaRPr lang="pt-BR" dirty="0" smtClean="0"/>
-          </a:p>
-          <a:p>
-            <a:r>
-              <a:rPr lang="pt-BR" dirty="0" smtClean="0"/>
-              <a:t>Função de </a:t>
-            </a:r>
-            <a:r>
-              <a:rPr lang="pt-BR" dirty="0" smtClean="0"/>
-              <a:t>vizinhança</a:t>
-            </a:r>
-            <a:endParaRPr lang="pt-BR" dirty="0" smtClean="0"/>
+              <a:t>Atualização de pesos</a:t>
+            </a:r>
+          </a:p>
+          <a:p>
+            <a:r>
+              <a:rPr lang="pt-BR" dirty="0" smtClean="0"/>
+              <a:t>Função de vizinhança</a:t>
+            </a:r>
           </a:p>
           <a:p>
             <a:r>
@@ -4758,16 +4743,17 @@
           <a:p>
             <a:r>
               <a:rPr lang="pt-BR" dirty="0" smtClean="0"/>
-              <a:t>Sobrecarga de informação</a:t>
-            </a:r>
-            <a:r>
-              <a:rPr lang="pt-BR" dirty="0"/>
-              <a:t> </a:t>
-            </a:r>
-            <a:r>
-              <a:rPr lang="pt-BR" dirty="0" smtClean="0"/>
-              <a:t>em sistemas computacionais</a:t>
-            </a:r>
+              <a:t>Sobrecarga </a:t>
+            </a:r>
+            <a:r>
+              <a:rPr lang="pt-BR" smtClean="0"/>
+              <a:t>de </a:t>
+            </a:r>
+            <a:r>
+              <a:rPr lang="pt-BR" smtClean="0"/>
+              <a:t>informação</a:t>
+            </a:r>
+            <a:endParaRPr lang="pt-BR" dirty="0" smtClean="0"/>
           </a:p>
           <a:p>
             <a:r>
